--- a/3. Язык программирования C++/3. Язык программирования C++.pptx
+++ b/3. Язык программирования C++/3. Язык программирования C++.pptx
@@ -536,7 +536,7 @@
           <a:noFill/>
           <a:extLst>
             <a:ext uri="{909E8E84-426E-40dd-AFC4-6F175D3DCCD1}">
-              <a14:hiddenFill xmlns:a14="http://schemas.microsoft.com/office/drawing/2010/main" xmlns="">
+              <a14:hiddenFill xmlns="" xmlns:a14="http://schemas.microsoft.com/office/drawing/2010/main">
                 <a:solidFill>
                   <a:srgbClr val="FFFFFF"/>
                 </a:solidFill>
@@ -595,7 +595,7 @@
             </a:ln>
             <a:extLst>
               <a:ext uri="{91240B29-F687-4f45-9708-019B960494DF}">
-                <a14:hiddenLine xmlns:a14="http://schemas.microsoft.com/office/drawing/2010/main" xmlns="" w="9525">
+                <a14:hiddenLine xmlns="" xmlns:a14="http://schemas.microsoft.com/office/drawing/2010/main" w="9525">
                   <a:solidFill>
                     <a:srgbClr val="000000"/>
                   </a:solidFill>
@@ -685,7 +685,7 @@
             </a:ln>
             <a:extLst>
               <a:ext uri="{91240B29-F687-4f45-9708-019B960494DF}">
-                <a14:hiddenLine xmlns:a14="http://schemas.microsoft.com/office/drawing/2010/main" xmlns="" w="9525">
+                <a14:hiddenLine xmlns="" xmlns:a14="http://schemas.microsoft.com/office/drawing/2010/main" w="9525">
                   <a:solidFill>
                     <a:srgbClr val="000000"/>
                   </a:solidFill>
@@ -775,7 +775,7 @@
             </a:ln>
             <a:extLst>
               <a:ext uri="{91240B29-F687-4f45-9708-019B960494DF}">
-                <a14:hiddenLine xmlns:a14="http://schemas.microsoft.com/office/drawing/2010/main" xmlns="" w="9525">
+                <a14:hiddenLine xmlns="" xmlns:a14="http://schemas.microsoft.com/office/drawing/2010/main" w="9525">
                   <a:solidFill>
                     <a:srgbClr val="000000"/>
                   </a:solidFill>
@@ -809,7 +809,7 @@
             </a:ln>
             <a:extLst>
               <a:ext uri="{91240B29-F687-4f45-9708-019B960494DF}">
-                <a14:hiddenLine xmlns:a14="http://schemas.microsoft.com/office/drawing/2010/main" xmlns="" w="9525">
+                <a14:hiddenLine xmlns="" xmlns:a14="http://schemas.microsoft.com/office/drawing/2010/main" w="9525">
                   <a:solidFill>
                     <a:srgbClr val="000000"/>
                   </a:solidFill>
@@ -899,7 +899,7 @@
             </a:ln>
             <a:extLst>
               <a:ext uri="{91240B29-F687-4f45-9708-019B960494DF}">
-                <a14:hiddenLine xmlns:a14="http://schemas.microsoft.com/office/drawing/2010/main" xmlns="" w="9525">
+                <a14:hiddenLine xmlns="" xmlns:a14="http://schemas.microsoft.com/office/drawing/2010/main" w="9525">
                   <a:solidFill>
                     <a:srgbClr val="000000"/>
                   </a:solidFill>
@@ -961,7 +961,7 @@
             </a:ln>
             <a:extLst>
               <a:ext uri="{91240B29-F687-4f45-9708-019B960494DF}">
-                <a14:hiddenLine xmlns:a14="http://schemas.microsoft.com/office/drawing/2010/main" xmlns="" w="9525">
+                <a14:hiddenLine xmlns="" xmlns:a14="http://schemas.microsoft.com/office/drawing/2010/main" w="9525">
                   <a:solidFill>
                     <a:srgbClr val="000000"/>
                   </a:solidFill>
@@ -1023,7 +1023,7 @@
             </a:ln>
             <a:extLst>
               <a:ext uri="{91240B29-F687-4f45-9708-019B960494DF}">
-                <a14:hiddenLine xmlns:a14="http://schemas.microsoft.com/office/drawing/2010/main" xmlns="" w="9525">
+                <a14:hiddenLine xmlns="" xmlns:a14="http://schemas.microsoft.com/office/drawing/2010/main" w="9525">
                   <a:solidFill>
                     <a:srgbClr val="000000"/>
                   </a:solidFill>
@@ -1113,7 +1113,7 @@
             </a:ln>
             <a:extLst>
               <a:ext uri="{91240B29-F687-4f45-9708-019B960494DF}">
-                <a14:hiddenLine xmlns:a14="http://schemas.microsoft.com/office/drawing/2010/main" xmlns="" w="9525">
+                <a14:hiddenLine xmlns="" xmlns:a14="http://schemas.microsoft.com/office/drawing/2010/main" w="9525">
                   <a:solidFill>
                     <a:srgbClr val="000000"/>
                   </a:solidFill>
@@ -1175,7 +1175,7 @@
             </a:ln>
             <a:extLst>
               <a:ext uri="{91240B29-F687-4f45-9708-019B960494DF}">
-                <a14:hiddenLine xmlns:a14="http://schemas.microsoft.com/office/drawing/2010/main" xmlns="" w="9525">
+                <a14:hiddenLine xmlns="" xmlns:a14="http://schemas.microsoft.com/office/drawing/2010/main" w="9525">
                   <a:solidFill>
                     <a:srgbClr val="000000"/>
                   </a:solidFill>
@@ -1237,7 +1237,7 @@
             </a:ln>
             <a:extLst>
               <a:ext uri="{91240B29-F687-4f45-9708-019B960494DF}">
-                <a14:hiddenLine xmlns:a14="http://schemas.microsoft.com/office/drawing/2010/main" xmlns="" w="9525">
+                <a14:hiddenLine xmlns="" xmlns:a14="http://schemas.microsoft.com/office/drawing/2010/main" w="9525">
                   <a:solidFill>
                     <a:srgbClr val="000000"/>
                   </a:solidFill>
@@ -1327,7 +1327,7 @@
             </a:ln>
             <a:extLst>
               <a:ext uri="{91240B29-F687-4f45-9708-019B960494DF}">
-                <a14:hiddenLine xmlns:a14="http://schemas.microsoft.com/office/drawing/2010/main" xmlns="" w="9525">
+                <a14:hiddenLine xmlns="" xmlns:a14="http://schemas.microsoft.com/office/drawing/2010/main" w="9525">
                   <a:solidFill>
                     <a:srgbClr val="000000"/>
                   </a:solidFill>
@@ -1417,7 +1417,7 @@
             </a:ln>
             <a:extLst>
               <a:ext uri="{91240B29-F687-4f45-9708-019B960494DF}">
-                <a14:hiddenLine xmlns:a14="http://schemas.microsoft.com/office/drawing/2010/main" xmlns="" w="9525">
+                <a14:hiddenLine xmlns="" xmlns:a14="http://schemas.microsoft.com/office/drawing/2010/main" w="9525">
                   <a:solidFill>
                     <a:srgbClr val="000000"/>
                   </a:solidFill>
@@ -1479,7 +1479,7 @@
             </a:ln>
             <a:extLst>
               <a:ext uri="{91240B29-F687-4f45-9708-019B960494DF}">
-                <a14:hiddenLine xmlns:a14="http://schemas.microsoft.com/office/drawing/2010/main" xmlns="" w="9525">
+                <a14:hiddenLine xmlns="" xmlns:a14="http://schemas.microsoft.com/office/drawing/2010/main" w="9525">
                   <a:solidFill>
                     <a:srgbClr val="000000"/>
                   </a:solidFill>
@@ -1589,7 +1589,7 @@
             </a:ln>
             <a:extLst>
               <a:ext uri="{91240B29-F687-4f45-9708-019B960494DF}">
-                <a14:hiddenLine xmlns:a14="http://schemas.microsoft.com/office/drawing/2010/main" xmlns="" w="9525">
+                <a14:hiddenLine xmlns="" xmlns:a14="http://schemas.microsoft.com/office/drawing/2010/main" w="9525">
                   <a:solidFill>
                     <a:srgbClr val="000000"/>
                   </a:solidFill>
@@ -1651,7 +1651,7 @@
             </a:ln>
             <a:extLst>
               <a:ext uri="{91240B29-F687-4f45-9708-019B960494DF}">
-                <a14:hiddenLine xmlns:a14="http://schemas.microsoft.com/office/drawing/2010/main" xmlns="" w="9525">
+                <a14:hiddenLine xmlns="" xmlns:a14="http://schemas.microsoft.com/office/drawing/2010/main" w="9525">
                   <a:solidFill>
                     <a:srgbClr val="000000"/>
                   </a:solidFill>
@@ -1741,7 +1741,7 @@
             </a:ln>
             <a:extLst>
               <a:ext uri="{91240B29-F687-4f45-9708-019B960494DF}">
-                <a14:hiddenLine xmlns:a14="http://schemas.microsoft.com/office/drawing/2010/main" xmlns="" w="9525">
+                <a14:hiddenLine xmlns="" xmlns:a14="http://schemas.microsoft.com/office/drawing/2010/main" w="9525">
                   <a:solidFill>
                     <a:srgbClr val="000000"/>
                   </a:solidFill>
@@ -1831,7 +1831,7 @@
             </a:ln>
             <a:extLst>
               <a:ext uri="{91240B29-F687-4f45-9708-019B960494DF}">
-                <a14:hiddenLine xmlns:a14="http://schemas.microsoft.com/office/drawing/2010/main" xmlns="" w="9525">
+                <a14:hiddenLine xmlns="" xmlns:a14="http://schemas.microsoft.com/office/drawing/2010/main" w="9525">
                   <a:solidFill>
                     <a:srgbClr val="000000"/>
                   </a:solidFill>
@@ -1893,7 +1893,7 @@
             </a:ln>
             <a:extLst>
               <a:ext uri="{91240B29-F687-4f45-9708-019B960494DF}">
-                <a14:hiddenLine xmlns:a14="http://schemas.microsoft.com/office/drawing/2010/main" xmlns="" w="9525">
+                <a14:hiddenLine xmlns="" xmlns:a14="http://schemas.microsoft.com/office/drawing/2010/main" w="9525">
                   <a:solidFill>
                     <a:srgbClr val="000000"/>
                   </a:solidFill>
@@ -1983,7 +1983,7 @@
             </a:ln>
             <a:extLst>
               <a:ext uri="{91240B29-F687-4f45-9708-019B960494DF}">
-                <a14:hiddenLine xmlns:a14="http://schemas.microsoft.com/office/drawing/2010/main" xmlns="" w="9525">
+                <a14:hiddenLine xmlns="" xmlns:a14="http://schemas.microsoft.com/office/drawing/2010/main" w="9525">
                   <a:solidFill>
                     <a:srgbClr val="000000"/>
                   </a:solidFill>
@@ -2073,7 +2073,7 @@
             </a:ln>
             <a:extLst>
               <a:ext uri="{91240B29-F687-4f45-9708-019B960494DF}">
-                <a14:hiddenLine xmlns:a14="http://schemas.microsoft.com/office/drawing/2010/main" xmlns="" w="9525">
+                <a14:hiddenLine xmlns="" xmlns:a14="http://schemas.microsoft.com/office/drawing/2010/main" w="9525">
                   <a:solidFill>
                     <a:srgbClr val="000000"/>
                   </a:solidFill>
@@ -2129,7 +2129,7 @@
             </a:ln>
             <a:extLst>
               <a:ext uri="{91240B29-F687-4f45-9708-019B960494DF}">
-                <a14:hiddenLine xmlns:a14="http://schemas.microsoft.com/office/drawing/2010/main" xmlns="" w="9525">
+                <a14:hiddenLine xmlns="" xmlns:a14="http://schemas.microsoft.com/office/drawing/2010/main" w="9525">
                   <a:solidFill>
                     <a:srgbClr val="000000"/>
                   </a:solidFill>
@@ -2219,7 +2219,7 @@
             </a:ln>
             <a:extLst>
               <a:ext uri="{91240B29-F687-4f45-9708-019B960494DF}">
-                <a14:hiddenLine xmlns:a14="http://schemas.microsoft.com/office/drawing/2010/main" xmlns="" w="9525">
+                <a14:hiddenLine xmlns="" xmlns:a14="http://schemas.microsoft.com/office/drawing/2010/main" w="9525">
                   <a:solidFill>
                     <a:srgbClr val="000000"/>
                   </a:solidFill>
@@ -2275,7 +2275,7 @@
             </a:ln>
             <a:extLst>
               <a:ext uri="{91240B29-F687-4f45-9708-019B960494DF}">
-                <a14:hiddenLine xmlns:a14="http://schemas.microsoft.com/office/drawing/2010/main" xmlns="" w="9525">
+                <a14:hiddenLine xmlns="" xmlns:a14="http://schemas.microsoft.com/office/drawing/2010/main" w="9525">
                   <a:solidFill>
                     <a:srgbClr val="000000"/>
                   </a:solidFill>
@@ -2365,7 +2365,7 @@
             </a:ln>
             <a:extLst>
               <a:ext uri="{91240B29-F687-4f45-9708-019B960494DF}">
-                <a14:hiddenLine xmlns:a14="http://schemas.microsoft.com/office/drawing/2010/main" xmlns="" w="9525">
+                <a14:hiddenLine xmlns="" xmlns:a14="http://schemas.microsoft.com/office/drawing/2010/main" w="9525">
                   <a:solidFill>
                     <a:srgbClr val="000000"/>
                   </a:solidFill>
@@ -2433,7 +2433,7 @@
             </a:ln>
             <a:extLst>
               <a:ext uri="{91240B29-F687-4f45-9708-019B960494DF}">
-                <a14:hiddenLine xmlns:a14="http://schemas.microsoft.com/office/drawing/2010/main" xmlns="" w="9525">
+                <a14:hiddenLine xmlns="" xmlns:a14="http://schemas.microsoft.com/office/drawing/2010/main" w="9525">
                   <a:solidFill>
                     <a:srgbClr val="000000"/>
                   </a:solidFill>
@@ -2523,7 +2523,7 @@
             </a:ln>
             <a:extLst>
               <a:ext uri="{91240B29-F687-4f45-9708-019B960494DF}">
-                <a14:hiddenLine xmlns:a14="http://schemas.microsoft.com/office/drawing/2010/main" xmlns="" w="9525">
+                <a14:hiddenLine xmlns="" xmlns:a14="http://schemas.microsoft.com/office/drawing/2010/main" w="9525">
                   <a:solidFill>
                     <a:srgbClr val="000000"/>
                   </a:solidFill>
@@ -2591,7 +2591,7 @@
             </a:ln>
             <a:extLst>
               <a:ext uri="{91240B29-F687-4f45-9708-019B960494DF}">
-                <a14:hiddenLine xmlns:a14="http://schemas.microsoft.com/office/drawing/2010/main" xmlns="" w="9525">
+                <a14:hiddenLine xmlns="" xmlns:a14="http://schemas.microsoft.com/office/drawing/2010/main" w="9525">
                   <a:solidFill>
                     <a:srgbClr val="000000"/>
                   </a:solidFill>
@@ -2681,7 +2681,7 @@
             </a:ln>
             <a:extLst>
               <a:ext uri="{91240B29-F687-4f45-9708-019B960494DF}">
-                <a14:hiddenLine xmlns:a14="http://schemas.microsoft.com/office/drawing/2010/main" xmlns="" w="9525">
+                <a14:hiddenLine xmlns="" xmlns:a14="http://schemas.microsoft.com/office/drawing/2010/main" w="9525">
                   <a:solidFill>
                     <a:srgbClr val="000000"/>
                   </a:solidFill>
@@ -2715,7 +2715,7 @@
             </a:ln>
             <a:extLst>
               <a:ext uri="{91240B29-F687-4f45-9708-019B960494DF}">
-                <a14:hiddenLine xmlns:a14="http://schemas.microsoft.com/office/drawing/2010/main" xmlns="" w="9525">
+                <a14:hiddenLine xmlns="" xmlns:a14="http://schemas.microsoft.com/office/drawing/2010/main" w="9525">
                   <a:solidFill>
                     <a:srgbClr val="000000"/>
                   </a:solidFill>
@@ -2805,7 +2805,7 @@
             </a:ln>
             <a:extLst>
               <a:ext uri="{91240B29-F687-4f45-9708-019B960494DF}">
-                <a14:hiddenLine xmlns:a14="http://schemas.microsoft.com/office/drawing/2010/main" xmlns="" w="9525">
+                <a14:hiddenLine xmlns="" xmlns:a14="http://schemas.microsoft.com/office/drawing/2010/main" w="9525">
                   <a:solidFill>
                     <a:srgbClr val="000000"/>
                   </a:solidFill>
@@ -2867,7 +2867,7 @@
             </a:ln>
             <a:extLst>
               <a:ext uri="{91240B29-F687-4f45-9708-019B960494DF}">
-                <a14:hiddenLine xmlns:a14="http://schemas.microsoft.com/office/drawing/2010/main" xmlns="" w="9525">
+                <a14:hiddenLine xmlns="" xmlns:a14="http://schemas.microsoft.com/office/drawing/2010/main" w="9525">
                   <a:solidFill>
                     <a:srgbClr val="000000"/>
                   </a:solidFill>
@@ -2929,7 +2929,7 @@
             </a:ln>
             <a:extLst>
               <a:ext uri="{91240B29-F687-4f45-9708-019B960494DF}">
-                <a14:hiddenLine xmlns:a14="http://schemas.microsoft.com/office/drawing/2010/main" xmlns="" w="9525">
+                <a14:hiddenLine xmlns="" xmlns:a14="http://schemas.microsoft.com/office/drawing/2010/main" w="9525">
                   <a:solidFill>
                     <a:srgbClr val="000000"/>
                   </a:solidFill>
@@ -3019,7 +3019,7 @@
             </a:ln>
             <a:extLst>
               <a:ext uri="{91240B29-F687-4f45-9708-019B960494DF}">
-                <a14:hiddenLine xmlns:a14="http://schemas.microsoft.com/office/drawing/2010/main" xmlns="" w="9525">
+                <a14:hiddenLine xmlns="" xmlns:a14="http://schemas.microsoft.com/office/drawing/2010/main" w="9525">
                   <a:solidFill>
                     <a:srgbClr val="000000"/>
                   </a:solidFill>
@@ -3087,7 +3087,7 @@
             </a:ln>
             <a:extLst>
               <a:ext uri="{91240B29-F687-4f45-9708-019B960494DF}">
-                <a14:hiddenLine xmlns:a14="http://schemas.microsoft.com/office/drawing/2010/main" xmlns="" w="9525">
+                <a14:hiddenLine xmlns="" xmlns:a14="http://schemas.microsoft.com/office/drawing/2010/main" w="9525">
                   <a:solidFill>
                     <a:srgbClr val="000000"/>
                   </a:solidFill>
@@ -3149,7 +3149,7 @@
             </a:ln>
             <a:extLst>
               <a:ext uri="{91240B29-F687-4f45-9708-019B960494DF}">
-                <a14:hiddenLine xmlns:a14="http://schemas.microsoft.com/office/drawing/2010/main" xmlns="" w="9525">
+                <a14:hiddenLine xmlns="" xmlns:a14="http://schemas.microsoft.com/office/drawing/2010/main" w="9525">
                   <a:solidFill>
                     <a:srgbClr val="000000"/>
                   </a:solidFill>
@@ -3239,7 +3239,7 @@
             </a:ln>
             <a:extLst>
               <a:ext uri="{91240B29-F687-4f45-9708-019B960494DF}">
-                <a14:hiddenLine xmlns:a14="http://schemas.microsoft.com/office/drawing/2010/main" xmlns="" w="9525">
+                <a14:hiddenLine xmlns="" xmlns:a14="http://schemas.microsoft.com/office/drawing/2010/main" w="9525">
                   <a:solidFill>
                     <a:srgbClr val="000000"/>
                   </a:solidFill>
@@ -3301,7 +3301,7 @@
             </a:ln>
             <a:extLst>
               <a:ext uri="{91240B29-F687-4f45-9708-019B960494DF}">
-                <a14:hiddenLine xmlns:a14="http://schemas.microsoft.com/office/drawing/2010/main" xmlns="" w="9525">
+                <a14:hiddenLine xmlns="" xmlns:a14="http://schemas.microsoft.com/office/drawing/2010/main" w="9525">
                   <a:solidFill>
                     <a:srgbClr val="000000"/>
                   </a:solidFill>
@@ -3391,7 +3391,7 @@
             </a:ln>
             <a:extLst>
               <a:ext uri="{91240B29-F687-4f45-9708-019B960494DF}">
-                <a14:hiddenLine xmlns:a14="http://schemas.microsoft.com/office/drawing/2010/main" xmlns="" w="9525">
+                <a14:hiddenLine xmlns="" xmlns:a14="http://schemas.microsoft.com/office/drawing/2010/main" w="9525">
                   <a:solidFill>
                     <a:srgbClr val="000000"/>
                   </a:solidFill>
@@ -3453,7 +3453,7 @@
             </a:ln>
             <a:extLst>
               <a:ext uri="{91240B29-F687-4f45-9708-019B960494DF}">
-                <a14:hiddenLine xmlns:a14="http://schemas.microsoft.com/office/drawing/2010/main" xmlns="" w="9525">
+                <a14:hiddenLine xmlns="" xmlns:a14="http://schemas.microsoft.com/office/drawing/2010/main" w="9525">
                   <a:solidFill>
                     <a:srgbClr val="000000"/>
                   </a:solidFill>
@@ -3543,7 +3543,7 @@
             </a:ln>
             <a:extLst>
               <a:ext uri="{91240B29-F687-4f45-9708-019B960494DF}">
-                <a14:hiddenLine xmlns:a14="http://schemas.microsoft.com/office/drawing/2010/main" xmlns="" w="9525">
+                <a14:hiddenLine xmlns="" xmlns:a14="http://schemas.microsoft.com/office/drawing/2010/main" w="9525">
                   <a:solidFill>
                     <a:srgbClr val="000000"/>
                   </a:solidFill>
@@ -3577,7 +3577,7 @@
             </a:ln>
             <a:extLst>
               <a:ext uri="{91240B29-F687-4f45-9708-019B960494DF}">
-                <a14:hiddenLine xmlns:a14="http://schemas.microsoft.com/office/drawing/2010/main" xmlns="" w="9525">
+                <a14:hiddenLine xmlns="" xmlns:a14="http://schemas.microsoft.com/office/drawing/2010/main" w="9525">
                   <a:solidFill>
                     <a:srgbClr val="000000"/>
                   </a:solidFill>
@@ -3642,7 +3642,7 @@
             </a:ln>
             <a:extLst>
               <a:ext uri="{91240B29-F687-4f45-9708-019B960494DF}">
-                <a14:hiddenLine xmlns:a14="http://schemas.microsoft.com/office/drawing/2010/main" xmlns="" w="9525">
+                <a14:hiddenLine xmlns="" xmlns:a14="http://schemas.microsoft.com/office/drawing/2010/main" w="9525">
                   <a:solidFill>
                     <a:srgbClr val="000000"/>
                   </a:solidFill>
@@ -3732,7 +3732,7 @@
             </a:ln>
             <a:extLst>
               <a:ext uri="{91240B29-F687-4f45-9708-019B960494DF}">
-                <a14:hiddenLine xmlns:a14="http://schemas.microsoft.com/office/drawing/2010/main" xmlns="" w="9525">
+                <a14:hiddenLine xmlns="" xmlns:a14="http://schemas.microsoft.com/office/drawing/2010/main" w="9525">
                   <a:solidFill>
                     <a:srgbClr val="000000"/>
                   </a:solidFill>
@@ -3794,7 +3794,7 @@
             </a:ln>
             <a:extLst>
               <a:ext uri="{91240B29-F687-4f45-9708-019B960494DF}">
-                <a14:hiddenLine xmlns:a14="http://schemas.microsoft.com/office/drawing/2010/main" xmlns="" w="9525">
+                <a14:hiddenLine xmlns="" xmlns:a14="http://schemas.microsoft.com/office/drawing/2010/main" w="9525">
                   <a:solidFill>
                     <a:srgbClr val="000000"/>
                   </a:solidFill>
@@ -3884,7 +3884,7 @@
             </a:ln>
             <a:extLst>
               <a:ext uri="{91240B29-F687-4f45-9708-019B960494DF}">
-                <a14:hiddenLine xmlns:a14="http://schemas.microsoft.com/office/drawing/2010/main" xmlns="" w="9525">
+                <a14:hiddenLine xmlns="" xmlns:a14="http://schemas.microsoft.com/office/drawing/2010/main" w="9525">
                   <a:solidFill>
                     <a:srgbClr val="000000"/>
                   </a:solidFill>
@@ -3974,7 +3974,7 @@
             </a:ln>
             <a:extLst>
               <a:ext uri="{91240B29-F687-4f45-9708-019B960494DF}">
-                <a14:hiddenLine xmlns:a14="http://schemas.microsoft.com/office/drawing/2010/main" xmlns="" w="9525">
+                <a14:hiddenLine xmlns="" xmlns:a14="http://schemas.microsoft.com/office/drawing/2010/main" w="9525">
                   <a:solidFill>
                     <a:srgbClr val="000000"/>
                   </a:solidFill>
@@ -4039,7 +4039,7 @@
             </a:ln>
             <a:extLst>
               <a:ext uri="{91240B29-F687-4f45-9708-019B960494DF}">
-                <a14:hiddenLine xmlns:a14="http://schemas.microsoft.com/office/drawing/2010/main" xmlns="" w="9525">
+                <a14:hiddenLine xmlns="" xmlns:a14="http://schemas.microsoft.com/office/drawing/2010/main" w="9525">
                   <a:solidFill>
                     <a:srgbClr val="000000"/>
                   </a:solidFill>
@@ -4101,7 +4101,7 @@
             </a:ln>
             <a:extLst>
               <a:ext uri="{91240B29-F687-4f45-9708-019B960494DF}">
-                <a14:hiddenLine xmlns:a14="http://schemas.microsoft.com/office/drawing/2010/main" xmlns="" w="9525">
+                <a14:hiddenLine xmlns="" xmlns:a14="http://schemas.microsoft.com/office/drawing/2010/main" w="9525">
                   <a:solidFill>
                     <a:srgbClr val="000000"/>
                   </a:solidFill>
@@ -4191,7 +4191,7 @@
             </a:ln>
             <a:extLst>
               <a:ext uri="{91240B29-F687-4f45-9708-019B960494DF}">
-                <a14:hiddenLine xmlns:a14="http://schemas.microsoft.com/office/drawing/2010/main" xmlns="" w="9525">
+                <a14:hiddenLine xmlns="" xmlns:a14="http://schemas.microsoft.com/office/drawing/2010/main" w="9525">
                   <a:solidFill>
                     <a:srgbClr val="000000"/>
                   </a:solidFill>
@@ -4281,7 +4281,7 @@
             </a:ln>
             <a:extLst>
               <a:ext uri="{91240B29-F687-4f45-9708-019B960494DF}">
-                <a14:hiddenLine xmlns:a14="http://schemas.microsoft.com/office/drawing/2010/main" xmlns="" w="9525">
+                <a14:hiddenLine xmlns="" xmlns:a14="http://schemas.microsoft.com/office/drawing/2010/main" w="9525">
                   <a:solidFill>
                     <a:srgbClr val="000000"/>
                   </a:solidFill>
@@ -4343,7 +4343,7 @@
             </a:ln>
             <a:extLst>
               <a:ext uri="{91240B29-F687-4f45-9708-019B960494DF}">
-                <a14:hiddenLine xmlns:a14="http://schemas.microsoft.com/office/drawing/2010/main" xmlns="" w="9525">
+                <a14:hiddenLine xmlns="" xmlns:a14="http://schemas.microsoft.com/office/drawing/2010/main" w="9525">
                   <a:solidFill>
                     <a:srgbClr val="000000"/>
                   </a:solidFill>
@@ -4463,7 +4463,7 @@
             </a:ln>
             <a:extLst>
               <a:ext uri="{91240B29-F687-4f45-9708-019B960494DF}">
-                <a14:hiddenLine xmlns:a14="http://schemas.microsoft.com/office/drawing/2010/main" xmlns="" w="9525">
+                <a14:hiddenLine xmlns="" xmlns:a14="http://schemas.microsoft.com/office/drawing/2010/main" w="9525">
                   <a:solidFill>
                     <a:srgbClr val="000000"/>
                   </a:solidFill>
@@ -4531,7 +4531,7 @@
             </a:ln>
             <a:extLst>
               <a:ext uri="{91240B29-F687-4f45-9708-019B960494DF}">
-                <a14:hiddenLine xmlns:a14="http://schemas.microsoft.com/office/drawing/2010/main" xmlns="" w="9525">
+                <a14:hiddenLine xmlns="" xmlns:a14="http://schemas.microsoft.com/office/drawing/2010/main" w="9525">
                   <a:solidFill>
                     <a:srgbClr val="000000"/>
                   </a:solidFill>
@@ -4621,7 +4621,7 @@
             </a:ln>
             <a:extLst>
               <a:ext uri="{91240B29-F687-4f45-9708-019B960494DF}">
-                <a14:hiddenLine xmlns:a14="http://schemas.microsoft.com/office/drawing/2010/main" xmlns="" w="9525">
+                <a14:hiddenLine xmlns="" xmlns:a14="http://schemas.microsoft.com/office/drawing/2010/main" w="9525">
                   <a:solidFill>
                     <a:srgbClr val="000000"/>
                   </a:solidFill>
@@ -9435,7 +9435,7 @@
           <a:noFill/>
           <a:extLst>
             <a:ext uri="{909E8E84-426E-40dd-AFC4-6F175D3DCCD1}">
-              <a14:hiddenFill xmlns:a14="http://schemas.microsoft.com/office/drawing/2010/main" xmlns="">
+              <a14:hiddenFill xmlns="" xmlns:a14="http://schemas.microsoft.com/office/drawing/2010/main">
                 <a:solidFill>
                   <a:srgbClr val="FFFFFF"/>
                 </a:solidFill>
@@ -9509,7 +9509,7 @@
               </a:ln>
               <a:extLst>
                 <a:ext uri="{91240B29-F687-4f45-9708-019B960494DF}">
-                  <a14:hiddenLine xmlns:a14="http://schemas.microsoft.com/office/drawing/2010/main" xmlns="" w="9525">
+                  <a14:hiddenLine xmlns="" xmlns:a14="http://schemas.microsoft.com/office/drawing/2010/main" w="9525">
                     <a:solidFill>
                       <a:srgbClr val="000000"/>
                     </a:solidFill>
@@ -9599,7 +9599,7 @@
               </a:ln>
               <a:extLst>
                 <a:ext uri="{91240B29-F687-4f45-9708-019B960494DF}">
-                  <a14:hiddenLine xmlns:a14="http://schemas.microsoft.com/office/drawing/2010/main" xmlns="" w="9525">
+                  <a14:hiddenLine xmlns="" xmlns:a14="http://schemas.microsoft.com/office/drawing/2010/main" w="9525">
                     <a:solidFill>
                       <a:srgbClr val="000000"/>
                     </a:solidFill>
@@ -9689,7 +9689,7 @@
               </a:ln>
               <a:extLst>
                 <a:ext uri="{91240B29-F687-4f45-9708-019B960494DF}">
-                  <a14:hiddenLine xmlns:a14="http://schemas.microsoft.com/office/drawing/2010/main" xmlns="" w="9525">
+                  <a14:hiddenLine xmlns="" xmlns:a14="http://schemas.microsoft.com/office/drawing/2010/main" w="9525">
                     <a:solidFill>
                       <a:srgbClr val="000000"/>
                     </a:solidFill>
@@ -9751,7 +9751,7 @@
               </a:ln>
               <a:extLst>
                 <a:ext uri="{91240B29-F687-4f45-9708-019B960494DF}">
-                  <a14:hiddenLine xmlns:a14="http://schemas.microsoft.com/office/drawing/2010/main" xmlns="" w="9525">
+                  <a14:hiddenLine xmlns="" xmlns:a14="http://schemas.microsoft.com/office/drawing/2010/main" w="9525">
                     <a:solidFill>
                       <a:srgbClr val="000000"/>
                     </a:solidFill>
@@ -9841,7 +9841,7 @@
               </a:ln>
               <a:extLst>
                 <a:ext uri="{91240B29-F687-4f45-9708-019B960494DF}">
-                  <a14:hiddenLine xmlns:a14="http://schemas.microsoft.com/office/drawing/2010/main" xmlns="" w="9525">
+                  <a14:hiddenLine xmlns="" xmlns:a14="http://schemas.microsoft.com/office/drawing/2010/main" w="9525">
                     <a:solidFill>
                       <a:srgbClr val="000000"/>
                     </a:solidFill>
@@ -9903,7 +9903,7 @@
               </a:ln>
               <a:extLst>
                 <a:ext uri="{91240B29-F687-4f45-9708-019B960494DF}">
-                  <a14:hiddenLine xmlns:a14="http://schemas.microsoft.com/office/drawing/2010/main" xmlns="" w="9525">
+                  <a14:hiddenLine xmlns="" xmlns:a14="http://schemas.microsoft.com/office/drawing/2010/main" w="9525">
                     <a:solidFill>
                       <a:srgbClr val="000000"/>
                     </a:solidFill>
@@ -9965,7 +9965,7 @@
               </a:ln>
               <a:extLst>
                 <a:ext uri="{91240B29-F687-4f45-9708-019B960494DF}">
-                  <a14:hiddenLine xmlns:a14="http://schemas.microsoft.com/office/drawing/2010/main" xmlns="" w="9525">
+                  <a14:hiddenLine xmlns="" xmlns:a14="http://schemas.microsoft.com/office/drawing/2010/main" w="9525">
                     <a:solidFill>
                       <a:srgbClr val="000000"/>
                     </a:solidFill>
@@ -10055,7 +10055,7 @@
               </a:ln>
               <a:extLst>
                 <a:ext uri="{91240B29-F687-4f45-9708-019B960494DF}">
-                  <a14:hiddenLine xmlns:a14="http://schemas.microsoft.com/office/drawing/2010/main" xmlns="" w="9525">
+                  <a14:hiddenLine xmlns="" xmlns:a14="http://schemas.microsoft.com/office/drawing/2010/main" w="9525">
                     <a:solidFill>
                       <a:srgbClr val="000000"/>
                     </a:solidFill>
@@ -10145,7 +10145,7 @@
               </a:ln>
               <a:extLst>
                 <a:ext uri="{91240B29-F687-4f45-9708-019B960494DF}">
-                  <a14:hiddenLine xmlns:a14="http://schemas.microsoft.com/office/drawing/2010/main" xmlns="" w="9525">
+                  <a14:hiddenLine xmlns="" xmlns:a14="http://schemas.microsoft.com/office/drawing/2010/main" w="9525">
                     <a:solidFill>
                       <a:srgbClr val="000000"/>
                     </a:solidFill>
@@ -10207,7 +10207,7 @@
               </a:ln>
               <a:extLst>
                 <a:ext uri="{91240B29-F687-4f45-9708-019B960494DF}">
-                  <a14:hiddenLine xmlns:a14="http://schemas.microsoft.com/office/drawing/2010/main" xmlns="" w="9525">
+                  <a14:hiddenLine xmlns="" xmlns:a14="http://schemas.microsoft.com/office/drawing/2010/main" w="9525">
                     <a:solidFill>
                       <a:srgbClr val="000000"/>
                     </a:solidFill>
@@ -10317,7 +10317,7 @@
               </a:ln>
               <a:extLst>
                 <a:ext uri="{91240B29-F687-4f45-9708-019B960494DF}">
-                  <a14:hiddenLine xmlns:a14="http://schemas.microsoft.com/office/drawing/2010/main" xmlns="" w="9525">
+                  <a14:hiddenLine xmlns="" xmlns:a14="http://schemas.microsoft.com/office/drawing/2010/main" w="9525">
                     <a:solidFill>
                       <a:srgbClr val="000000"/>
                     </a:solidFill>
@@ -10401,7 +10401,7 @@
               </a:ln>
               <a:extLst>
                 <a:ext uri="{91240B29-F687-4f45-9708-019B960494DF}">
-                  <a14:hiddenLine xmlns:a14="http://schemas.microsoft.com/office/drawing/2010/main" xmlns="" w="9525">
+                  <a14:hiddenLine xmlns="" xmlns:a14="http://schemas.microsoft.com/office/drawing/2010/main" w="9525">
                     <a:solidFill>
                       <a:srgbClr val="000000"/>
                     </a:solidFill>
@@ -10463,7 +10463,7 @@
               </a:ln>
               <a:extLst>
                 <a:ext uri="{91240B29-F687-4f45-9708-019B960494DF}">
-                  <a14:hiddenLine xmlns:a14="http://schemas.microsoft.com/office/drawing/2010/main" xmlns="" w="9525">
+                  <a14:hiddenLine xmlns="" xmlns:a14="http://schemas.microsoft.com/office/drawing/2010/main" w="9525">
                     <a:solidFill>
                       <a:srgbClr val="000000"/>
                     </a:solidFill>
@@ -10525,7 +10525,7 @@
               </a:ln>
               <a:extLst>
                 <a:ext uri="{91240B29-F687-4f45-9708-019B960494DF}">
-                  <a14:hiddenLine xmlns:a14="http://schemas.microsoft.com/office/drawing/2010/main" xmlns="" w="9525">
+                  <a14:hiddenLine xmlns="" xmlns:a14="http://schemas.microsoft.com/office/drawing/2010/main" w="9525">
                     <a:solidFill>
                       <a:srgbClr val="000000"/>
                     </a:solidFill>
@@ -10615,7 +10615,7 @@
               </a:ln>
               <a:extLst>
                 <a:ext uri="{91240B29-F687-4f45-9708-019B960494DF}">
-                  <a14:hiddenLine xmlns:a14="http://schemas.microsoft.com/office/drawing/2010/main" xmlns="" w="9525">
+                  <a14:hiddenLine xmlns="" xmlns:a14="http://schemas.microsoft.com/office/drawing/2010/main" w="9525">
                     <a:solidFill>
                       <a:srgbClr val="000000"/>
                     </a:solidFill>
@@ -10649,7 +10649,7 @@
               </a:ln>
               <a:extLst>
                 <a:ext uri="{91240B29-F687-4f45-9708-019B960494DF}">
-                  <a14:hiddenLine xmlns:a14="http://schemas.microsoft.com/office/drawing/2010/main" xmlns="" w="9525">
+                  <a14:hiddenLine xmlns="" xmlns:a14="http://schemas.microsoft.com/office/drawing/2010/main" w="9525">
                     <a:solidFill>
                       <a:srgbClr val="000000"/>
                     </a:solidFill>
@@ -10714,7 +10714,7 @@
               </a:ln>
               <a:extLst>
                 <a:ext uri="{91240B29-F687-4f45-9708-019B960494DF}">
-                  <a14:hiddenLine xmlns:a14="http://schemas.microsoft.com/office/drawing/2010/main" xmlns="" w="9525">
+                  <a14:hiddenLine xmlns="" xmlns:a14="http://schemas.microsoft.com/office/drawing/2010/main" w="9525">
                     <a:solidFill>
                       <a:srgbClr val="000000"/>
                     </a:solidFill>
@@ -10804,7 +10804,7 @@
               </a:ln>
               <a:extLst>
                 <a:ext uri="{91240B29-F687-4f45-9708-019B960494DF}">
-                  <a14:hiddenLine xmlns:a14="http://schemas.microsoft.com/office/drawing/2010/main" xmlns="" w="9525">
+                  <a14:hiddenLine xmlns="" xmlns:a14="http://schemas.microsoft.com/office/drawing/2010/main" w="9525">
                     <a:solidFill>
                       <a:srgbClr val="000000"/>
                     </a:solidFill>
@@ -10866,7 +10866,7 @@
               </a:ln>
               <a:extLst>
                 <a:ext uri="{91240B29-F687-4f45-9708-019B960494DF}">
-                  <a14:hiddenLine xmlns:a14="http://schemas.microsoft.com/office/drawing/2010/main" xmlns="" w="9525">
+                  <a14:hiddenLine xmlns="" xmlns:a14="http://schemas.microsoft.com/office/drawing/2010/main" w="9525">
                     <a:solidFill>
                       <a:srgbClr val="000000"/>
                     </a:solidFill>
@@ -10956,7 +10956,7 @@
               </a:ln>
               <a:extLst>
                 <a:ext uri="{91240B29-F687-4f45-9708-019B960494DF}">
-                  <a14:hiddenLine xmlns:a14="http://schemas.microsoft.com/office/drawing/2010/main" xmlns="" w="9525">
+                  <a14:hiddenLine xmlns="" xmlns:a14="http://schemas.microsoft.com/office/drawing/2010/main" w="9525">
                     <a:solidFill>
                       <a:srgbClr val="000000"/>
                     </a:solidFill>
@@ -11021,7 +11021,7 @@
               </a:ln>
               <a:extLst>
                 <a:ext uri="{91240B29-F687-4f45-9708-019B960494DF}">
-                  <a14:hiddenLine xmlns:a14="http://schemas.microsoft.com/office/drawing/2010/main" xmlns="" w="9525">
+                  <a14:hiddenLine xmlns="" xmlns:a14="http://schemas.microsoft.com/office/drawing/2010/main" w="9525">
                     <a:solidFill>
                       <a:srgbClr val="000000"/>
                     </a:solidFill>
@@ -11083,7 +11083,7 @@
               </a:ln>
               <a:extLst>
                 <a:ext uri="{91240B29-F687-4f45-9708-019B960494DF}">
-                  <a14:hiddenLine xmlns:a14="http://schemas.microsoft.com/office/drawing/2010/main" xmlns="" w="9525">
+                  <a14:hiddenLine xmlns="" xmlns:a14="http://schemas.microsoft.com/office/drawing/2010/main" w="9525">
                     <a:solidFill>
                       <a:srgbClr val="000000"/>
                     </a:solidFill>
@@ -11173,7 +11173,7 @@
               </a:ln>
               <a:extLst>
                 <a:ext uri="{91240B29-F687-4f45-9708-019B960494DF}">
-                  <a14:hiddenLine xmlns:a14="http://schemas.microsoft.com/office/drawing/2010/main" xmlns="" w="9525">
+                  <a14:hiddenLine xmlns="" xmlns:a14="http://schemas.microsoft.com/office/drawing/2010/main" w="9525">
                     <a:solidFill>
                       <a:srgbClr val="000000"/>
                     </a:solidFill>
@@ -11263,7 +11263,7 @@
               </a:ln>
               <a:extLst>
                 <a:ext uri="{91240B29-F687-4f45-9708-019B960494DF}">
-                  <a14:hiddenLine xmlns:a14="http://schemas.microsoft.com/office/drawing/2010/main" xmlns="" w="9525">
+                  <a14:hiddenLine xmlns="" xmlns:a14="http://schemas.microsoft.com/office/drawing/2010/main" w="9525">
                     <a:solidFill>
                       <a:srgbClr val="000000"/>
                     </a:solidFill>
@@ -11328,7 +11328,7 @@
               </a:ln>
               <a:extLst>
                 <a:ext uri="{91240B29-F687-4f45-9708-019B960494DF}">
-                  <a14:hiddenLine xmlns:a14="http://schemas.microsoft.com/office/drawing/2010/main" xmlns="" w="9525">
+                  <a14:hiddenLine xmlns="" xmlns:a14="http://schemas.microsoft.com/office/drawing/2010/main" w="9525">
                     <a:solidFill>
                       <a:srgbClr val="000000"/>
                     </a:solidFill>
@@ -11448,7 +11448,7 @@
               </a:ln>
               <a:extLst>
                 <a:ext uri="{91240B29-F687-4f45-9708-019B960494DF}">
-                  <a14:hiddenLine xmlns:a14="http://schemas.microsoft.com/office/drawing/2010/main" xmlns="" w="9525">
+                  <a14:hiddenLine xmlns="" xmlns:a14="http://schemas.microsoft.com/office/drawing/2010/main" w="9525">
                     <a:solidFill>
                       <a:srgbClr val="000000"/>
                     </a:solidFill>
@@ -11529,7 +11529,7 @@
               </a:ln>
               <a:extLst>
                 <a:ext uri="{91240B29-F687-4f45-9708-019B960494DF}">
-                  <a14:hiddenLine xmlns:a14="http://schemas.microsoft.com/office/drawing/2010/main" xmlns="" w="9525">
+                  <a14:hiddenLine xmlns="" xmlns:a14="http://schemas.microsoft.com/office/drawing/2010/main" w="9525">
                     <a:solidFill>
                       <a:srgbClr val="000000"/>
                     </a:solidFill>
@@ -11644,7 +11644,7 @@
               </a:ln>
               <a:extLst>
                 <a:ext uri="{91240B29-F687-4f45-9708-019B960494DF}">
-                  <a14:hiddenLine xmlns:a14="http://schemas.microsoft.com/office/drawing/2010/main" xmlns="" w="9525">
+                  <a14:hiddenLine xmlns="" xmlns:a14="http://schemas.microsoft.com/office/drawing/2010/main" w="9525">
                     <a:solidFill>
                       <a:srgbClr val="000000"/>
                     </a:solidFill>
@@ -11734,7 +11734,7 @@
               </a:ln>
               <a:extLst>
                 <a:ext uri="{91240B29-F687-4f45-9708-019B960494DF}">
-                  <a14:hiddenLine xmlns:a14="http://schemas.microsoft.com/office/drawing/2010/main" xmlns="" w="9525">
+                  <a14:hiddenLine xmlns="" xmlns:a14="http://schemas.microsoft.com/office/drawing/2010/main" w="9525">
                     <a:solidFill>
                       <a:srgbClr val="000000"/>
                     </a:solidFill>
@@ -11799,7 +11799,7 @@
               </a:ln>
               <a:extLst>
                 <a:ext uri="{91240B29-F687-4f45-9708-019B960494DF}">
-                  <a14:hiddenLine xmlns:a14="http://schemas.microsoft.com/office/drawing/2010/main" xmlns="" w="9525">
+                  <a14:hiddenLine xmlns="" xmlns:a14="http://schemas.microsoft.com/office/drawing/2010/main" w="9525">
                     <a:solidFill>
                       <a:srgbClr val="000000"/>
                     </a:solidFill>
@@ -11889,7 +11889,7 @@
               </a:ln>
               <a:extLst>
                 <a:ext uri="{91240B29-F687-4f45-9708-019B960494DF}">
-                  <a14:hiddenLine xmlns:a14="http://schemas.microsoft.com/office/drawing/2010/main" xmlns="" w="9525">
+                  <a14:hiddenLine xmlns="" xmlns:a14="http://schemas.microsoft.com/office/drawing/2010/main" w="9525">
                     <a:solidFill>
                       <a:srgbClr val="000000"/>
                     </a:solidFill>
@@ -11957,7 +11957,7 @@
               </a:ln>
               <a:extLst>
                 <a:ext uri="{91240B29-F687-4f45-9708-019B960494DF}">
-                  <a14:hiddenLine xmlns:a14="http://schemas.microsoft.com/office/drawing/2010/main" xmlns="" w="9525">
+                  <a14:hiddenLine xmlns="" xmlns:a14="http://schemas.microsoft.com/office/drawing/2010/main" w="9525">
                     <a:solidFill>
                       <a:srgbClr val="000000"/>
                     </a:solidFill>
@@ -12047,7 +12047,7 @@
               </a:ln>
               <a:extLst>
                 <a:ext uri="{91240B29-F687-4f45-9708-019B960494DF}">
-                  <a14:hiddenLine xmlns:a14="http://schemas.microsoft.com/office/drawing/2010/main" xmlns="" w="9525">
+                  <a14:hiddenLine xmlns="" xmlns:a14="http://schemas.microsoft.com/office/drawing/2010/main" w="9525">
                     <a:solidFill>
                       <a:srgbClr val="000000"/>
                     </a:solidFill>
@@ -12115,7 +12115,7 @@
               </a:ln>
               <a:extLst>
                 <a:ext uri="{91240B29-F687-4f45-9708-019B960494DF}">
-                  <a14:hiddenLine xmlns:a14="http://schemas.microsoft.com/office/drawing/2010/main" xmlns="" w="9525">
+                  <a14:hiddenLine xmlns="" xmlns:a14="http://schemas.microsoft.com/office/drawing/2010/main" w="9525">
                     <a:solidFill>
                       <a:srgbClr val="000000"/>
                     </a:solidFill>
@@ -12205,7 +12205,7 @@
               </a:ln>
               <a:extLst>
                 <a:ext uri="{91240B29-F687-4f45-9708-019B960494DF}">
-                  <a14:hiddenLine xmlns:a14="http://schemas.microsoft.com/office/drawing/2010/main" xmlns="" w="9525">
+                  <a14:hiddenLine xmlns="" xmlns:a14="http://schemas.microsoft.com/office/drawing/2010/main" w="9525">
                     <a:solidFill>
                       <a:srgbClr val="000000"/>
                     </a:solidFill>
@@ -12239,7 +12239,7 @@
               </a:ln>
               <a:extLst>
                 <a:ext uri="{91240B29-F687-4f45-9708-019B960494DF}">
-                  <a14:hiddenLine xmlns:a14="http://schemas.microsoft.com/office/drawing/2010/main" xmlns="" w="9525">
+                  <a14:hiddenLine xmlns="" xmlns:a14="http://schemas.microsoft.com/office/drawing/2010/main" w="9525">
                     <a:solidFill>
                       <a:srgbClr val="000000"/>
                     </a:solidFill>
@@ -12965,8 +12965,21 @@
                   <a:schemeClr val="tx2"/>
                 </a:solidFill>
               </a:rPr>
-              <a:t>Лекция №1</a:t>
-            </a:r>
+              <a:t>Лекция №</a:t>
+            </a:r>
+            <a:r>
+              <a:rPr lang="ru-UA" sz="2800">
+                <a:solidFill>
+                  <a:schemeClr val="tx2"/>
+                </a:solidFill>
+              </a:rPr>
+              <a:t>3</a:t>
+            </a:r>
+            <a:endParaRPr lang="ru-RU" sz="2800" dirty="0">
+              <a:solidFill>
+                <a:schemeClr val="tx2"/>
+              </a:solidFill>
+            </a:endParaRPr>
           </a:p>
           <a:p>
             <a:pPr algn="ctr"/>

--- a/3. Язык программирования C++/3. Язык программирования C++.pptx
+++ b/3. Язык программирования C++/3. Язык программирования C++.pptx
@@ -5,7 +5,7 @@
     <p:sldMasterId id="2147483984" r:id="rId1"/>
   </p:sldMasterIdLst>
   <p:notesMasterIdLst>
-    <p:notesMasterId r:id="rId17"/>
+    <p:notesMasterId r:id="rId18"/>
   </p:notesMasterIdLst>
   <p:sldIdLst>
     <p:sldId id="256" r:id="rId2"/>
@@ -22,7 +22,8 @@
     <p:sldId id="279" r:id="rId13"/>
     <p:sldId id="280" r:id="rId14"/>
     <p:sldId id="281" r:id="rId15"/>
-    <p:sldId id="270" r:id="rId16"/>
+    <p:sldId id="284" r:id="rId16"/>
+    <p:sldId id="270" r:id="rId17"/>
   </p:sldIdLst>
   <p:sldSz cx="12192000" cy="6858000"/>
   <p:notesSz cx="6858000" cy="9144000"/>
@@ -211,7 +212,7 @@
           <a:p>
             <a:fld id="{036B47B5-EF1D-41BD-9CC3-7AD4E8DDF9BA}" type="datetimeFigureOut">
               <a:rPr lang="ru-RU" smtClean="0"/>
-              <a:t>07.02.2022</a:t>
+              <a:t>13.02.2022</a:t>
             </a:fld>
             <a:endParaRPr lang="ru-RU"/>
           </a:p>
@@ -536,7 +537,7 @@
           <a:noFill/>
           <a:extLst>
             <a:ext uri="{909E8E84-426E-40dd-AFC4-6F175D3DCCD1}">
-              <a14:hiddenFill xmlns="" xmlns:a14="http://schemas.microsoft.com/office/drawing/2010/main">
+              <a14:hiddenFill xmlns:a14="http://schemas.microsoft.com/office/drawing/2010/main" xmlns="">
                 <a:solidFill>
                   <a:srgbClr val="FFFFFF"/>
                 </a:solidFill>
@@ -595,7 +596,7 @@
             </a:ln>
             <a:extLst>
               <a:ext uri="{91240B29-F687-4f45-9708-019B960494DF}">
-                <a14:hiddenLine xmlns="" xmlns:a14="http://schemas.microsoft.com/office/drawing/2010/main" w="9525">
+                <a14:hiddenLine xmlns:a14="http://schemas.microsoft.com/office/drawing/2010/main" xmlns="" w="9525">
                   <a:solidFill>
                     <a:srgbClr val="000000"/>
                   </a:solidFill>
@@ -685,7 +686,7 @@
             </a:ln>
             <a:extLst>
               <a:ext uri="{91240B29-F687-4f45-9708-019B960494DF}">
-                <a14:hiddenLine xmlns="" xmlns:a14="http://schemas.microsoft.com/office/drawing/2010/main" w="9525">
+                <a14:hiddenLine xmlns:a14="http://schemas.microsoft.com/office/drawing/2010/main" xmlns="" w="9525">
                   <a:solidFill>
                     <a:srgbClr val="000000"/>
                   </a:solidFill>
@@ -775,7 +776,7 @@
             </a:ln>
             <a:extLst>
               <a:ext uri="{91240B29-F687-4f45-9708-019B960494DF}">
-                <a14:hiddenLine xmlns="" xmlns:a14="http://schemas.microsoft.com/office/drawing/2010/main" w="9525">
+                <a14:hiddenLine xmlns:a14="http://schemas.microsoft.com/office/drawing/2010/main" xmlns="" w="9525">
                   <a:solidFill>
                     <a:srgbClr val="000000"/>
                   </a:solidFill>
@@ -809,7 +810,7 @@
             </a:ln>
             <a:extLst>
               <a:ext uri="{91240B29-F687-4f45-9708-019B960494DF}">
-                <a14:hiddenLine xmlns="" xmlns:a14="http://schemas.microsoft.com/office/drawing/2010/main" w="9525">
+                <a14:hiddenLine xmlns:a14="http://schemas.microsoft.com/office/drawing/2010/main" xmlns="" w="9525">
                   <a:solidFill>
                     <a:srgbClr val="000000"/>
                   </a:solidFill>
@@ -899,7 +900,7 @@
             </a:ln>
             <a:extLst>
               <a:ext uri="{91240B29-F687-4f45-9708-019B960494DF}">
-                <a14:hiddenLine xmlns="" xmlns:a14="http://schemas.microsoft.com/office/drawing/2010/main" w="9525">
+                <a14:hiddenLine xmlns:a14="http://schemas.microsoft.com/office/drawing/2010/main" xmlns="" w="9525">
                   <a:solidFill>
                     <a:srgbClr val="000000"/>
                   </a:solidFill>
@@ -961,7 +962,7 @@
             </a:ln>
             <a:extLst>
               <a:ext uri="{91240B29-F687-4f45-9708-019B960494DF}">
-                <a14:hiddenLine xmlns="" xmlns:a14="http://schemas.microsoft.com/office/drawing/2010/main" w="9525">
+                <a14:hiddenLine xmlns:a14="http://schemas.microsoft.com/office/drawing/2010/main" xmlns="" w="9525">
                   <a:solidFill>
                     <a:srgbClr val="000000"/>
                   </a:solidFill>
@@ -1023,7 +1024,7 @@
             </a:ln>
             <a:extLst>
               <a:ext uri="{91240B29-F687-4f45-9708-019B960494DF}">
-                <a14:hiddenLine xmlns="" xmlns:a14="http://schemas.microsoft.com/office/drawing/2010/main" w="9525">
+                <a14:hiddenLine xmlns:a14="http://schemas.microsoft.com/office/drawing/2010/main" xmlns="" w="9525">
                   <a:solidFill>
                     <a:srgbClr val="000000"/>
                   </a:solidFill>
@@ -1113,7 +1114,7 @@
             </a:ln>
             <a:extLst>
               <a:ext uri="{91240B29-F687-4f45-9708-019B960494DF}">
-                <a14:hiddenLine xmlns="" xmlns:a14="http://schemas.microsoft.com/office/drawing/2010/main" w="9525">
+                <a14:hiddenLine xmlns:a14="http://schemas.microsoft.com/office/drawing/2010/main" xmlns="" w="9525">
                   <a:solidFill>
                     <a:srgbClr val="000000"/>
                   </a:solidFill>
@@ -1175,7 +1176,7 @@
             </a:ln>
             <a:extLst>
               <a:ext uri="{91240B29-F687-4f45-9708-019B960494DF}">
-                <a14:hiddenLine xmlns="" xmlns:a14="http://schemas.microsoft.com/office/drawing/2010/main" w="9525">
+                <a14:hiddenLine xmlns:a14="http://schemas.microsoft.com/office/drawing/2010/main" xmlns="" w="9525">
                   <a:solidFill>
                     <a:srgbClr val="000000"/>
                   </a:solidFill>
@@ -1237,7 +1238,7 @@
             </a:ln>
             <a:extLst>
               <a:ext uri="{91240B29-F687-4f45-9708-019B960494DF}">
-                <a14:hiddenLine xmlns="" xmlns:a14="http://schemas.microsoft.com/office/drawing/2010/main" w="9525">
+                <a14:hiddenLine xmlns:a14="http://schemas.microsoft.com/office/drawing/2010/main" xmlns="" w="9525">
                   <a:solidFill>
                     <a:srgbClr val="000000"/>
                   </a:solidFill>
@@ -1327,7 +1328,7 @@
             </a:ln>
             <a:extLst>
               <a:ext uri="{91240B29-F687-4f45-9708-019B960494DF}">
-                <a14:hiddenLine xmlns="" xmlns:a14="http://schemas.microsoft.com/office/drawing/2010/main" w="9525">
+                <a14:hiddenLine xmlns:a14="http://schemas.microsoft.com/office/drawing/2010/main" xmlns="" w="9525">
                   <a:solidFill>
                     <a:srgbClr val="000000"/>
                   </a:solidFill>
@@ -1417,7 +1418,7 @@
             </a:ln>
             <a:extLst>
               <a:ext uri="{91240B29-F687-4f45-9708-019B960494DF}">
-                <a14:hiddenLine xmlns="" xmlns:a14="http://schemas.microsoft.com/office/drawing/2010/main" w="9525">
+                <a14:hiddenLine xmlns:a14="http://schemas.microsoft.com/office/drawing/2010/main" xmlns="" w="9525">
                   <a:solidFill>
                     <a:srgbClr val="000000"/>
                   </a:solidFill>
@@ -1479,7 +1480,7 @@
             </a:ln>
             <a:extLst>
               <a:ext uri="{91240B29-F687-4f45-9708-019B960494DF}">
-                <a14:hiddenLine xmlns="" xmlns:a14="http://schemas.microsoft.com/office/drawing/2010/main" w="9525">
+                <a14:hiddenLine xmlns:a14="http://schemas.microsoft.com/office/drawing/2010/main" xmlns="" w="9525">
                   <a:solidFill>
                     <a:srgbClr val="000000"/>
                   </a:solidFill>
@@ -1589,7 +1590,7 @@
             </a:ln>
             <a:extLst>
               <a:ext uri="{91240B29-F687-4f45-9708-019B960494DF}">
-                <a14:hiddenLine xmlns="" xmlns:a14="http://schemas.microsoft.com/office/drawing/2010/main" w="9525">
+                <a14:hiddenLine xmlns:a14="http://schemas.microsoft.com/office/drawing/2010/main" xmlns="" w="9525">
                   <a:solidFill>
                     <a:srgbClr val="000000"/>
                   </a:solidFill>
@@ -1651,7 +1652,7 @@
             </a:ln>
             <a:extLst>
               <a:ext uri="{91240B29-F687-4f45-9708-019B960494DF}">
-                <a14:hiddenLine xmlns="" xmlns:a14="http://schemas.microsoft.com/office/drawing/2010/main" w="9525">
+                <a14:hiddenLine xmlns:a14="http://schemas.microsoft.com/office/drawing/2010/main" xmlns="" w="9525">
                   <a:solidFill>
                     <a:srgbClr val="000000"/>
                   </a:solidFill>
@@ -1741,7 +1742,7 @@
             </a:ln>
             <a:extLst>
               <a:ext uri="{91240B29-F687-4f45-9708-019B960494DF}">
-                <a14:hiddenLine xmlns="" xmlns:a14="http://schemas.microsoft.com/office/drawing/2010/main" w="9525">
+                <a14:hiddenLine xmlns:a14="http://schemas.microsoft.com/office/drawing/2010/main" xmlns="" w="9525">
                   <a:solidFill>
                     <a:srgbClr val="000000"/>
                   </a:solidFill>
@@ -1831,7 +1832,7 @@
             </a:ln>
             <a:extLst>
               <a:ext uri="{91240B29-F687-4f45-9708-019B960494DF}">
-                <a14:hiddenLine xmlns="" xmlns:a14="http://schemas.microsoft.com/office/drawing/2010/main" w="9525">
+                <a14:hiddenLine xmlns:a14="http://schemas.microsoft.com/office/drawing/2010/main" xmlns="" w="9525">
                   <a:solidFill>
                     <a:srgbClr val="000000"/>
                   </a:solidFill>
@@ -1893,7 +1894,7 @@
             </a:ln>
             <a:extLst>
               <a:ext uri="{91240B29-F687-4f45-9708-019B960494DF}">
-                <a14:hiddenLine xmlns="" xmlns:a14="http://schemas.microsoft.com/office/drawing/2010/main" w="9525">
+                <a14:hiddenLine xmlns:a14="http://schemas.microsoft.com/office/drawing/2010/main" xmlns="" w="9525">
                   <a:solidFill>
                     <a:srgbClr val="000000"/>
                   </a:solidFill>
@@ -1983,7 +1984,7 @@
             </a:ln>
             <a:extLst>
               <a:ext uri="{91240B29-F687-4f45-9708-019B960494DF}">
-                <a14:hiddenLine xmlns="" xmlns:a14="http://schemas.microsoft.com/office/drawing/2010/main" w="9525">
+                <a14:hiddenLine xmlns:a14="http://schemas.microsoft.com/office/drawing/2010/main" xmlns="" w="9525">
                   <a:solidFill>
                     <a:srgbClr val="000000"/>
                   </a:solidFill>
@@ -2073,7 +2074,7 @@
             </a:ln>
             <a:extLst>
               <a:ext uri="{91240B29-F687-4f45-9708-019B960494DF}">
-                <a14:hiddenLine xmlns="" xmlns:a14="http://schemas.microsoft.com/office/drawing/2010/main" w="9525">
+                <a14:hiddenLine xmlns:a14="http://schemas.microsoft.com/office/drawing/2010/main" xmlns="" w="9525">
                   <a:solidFill>
                     <a:srgbClr val="000000"/>
                   </a:solidFill>
@@ -2129,7 +2130,7 @@
             </a:ln>
             <a:extLst>
               <a:ext uri="{91240B29-F687-4f45-9708-019B960494DF}">
-                <a14:hiddenLine xmlns="" xmlns:a14="http://schemas.microsoft.com/office/drawing/2010/main" w="9525">
+                <a14:hiddenLine xmlns:a14="http://schemas.microsoft.com/office/drawing/2010/main" xmlns="" w="9525">
                   <a:solidFill>
                     <a:srgbClr val="000000"/>
                   </a:solidFill>
@@ -2219,7 +2220,7 @@
             </a:ln>
             <a:extLst>
               <a:ext uri="{91240B29-F687-4f45-9708-019B960494DF}">
-                <a14:hiddenLine xmlns="" xmlns:a14="http://schemas.microsoft.com/office/drawing/2010/main" w="9525">
+                <a14:hiddenLine xmlns:a14="http://schemas.microsoft.com/office/drawing/2010/main" xmlns="" w="9525">
                   <a:solidFill>
                     <a:srgbClr val="000000"/>
                   </a:solidFill>
@@ -2275,7 +2276,7 @@
             </a:ln>
             <a:extLst>
               <a:ext uri="{91240B29-F687-4f45-9708-019B960494DF}">
-                <a14:hiddenLine xmlns="" xmlns:a14="http://schemas.microsoft.com/office/drawing/2010/main" w="9525">
+                <a14:hiddenLine xmlns:a14="http://schemas.microsoft.com/office/drawing/2010/main" xmlns="" w="9525">
                   <a:solidFill>
                     <a:srgbClr val="000000"/>
                   </a:solidFill>
@@ -2365,7 +2366,7 @@
             </a:ln>
             <a:extLst>
               <a:ext uri="{91240B29-F687-4f45-9708-019B960494DF}">
-                <a14:hiddenLine xmlns="" xmlns:a14="http://schemas.microsoft.com/office/drawing/2010/main" w="9525">
+                <a14:hiddenLine xmlns:a14="http://schemas.microsoft.com/office/drawing/2010/main" xmlns="" w="9525">
                   <a:solidFill>
                     <a:srgbClr val="000000"/>
                   </a:solidFill>
@@ -2433,7 +2434,7 @@
             </a:ln>
             <a:extLst>
               <a:ext uri="{91240B29-F687-4f45-9708-019B960494DF}">
-                <a14:hiddenLine xmlns="" xmlns:a14="http://schemas.microsoft.com/office/drawing/2010/main" w="9525">
+                <a14:hiddenLine xmlns:a14="http://schemas.microsoft.com/office/drawing/2010/main" xmlns="" w="9525">
                   <a:solidFill>
                     <a:srgbClr val="000000"/>
                   </a:solidFill>
@@ -2523,7 +2524,7 @@
             </a:ln>
             <a:extLst>
               <a:ext uri="{91240B29-F687-4f45-9708-019B960494DF}">
-                <a14:hiddenLine xmlns="" xmlns:a14="http://schemas.microsoft.com/office/drawing/2010/main" w="9525">
+                <a14:hiddenLine xmlns:a14="http://schemas.microsoft.com/office/drawing/2010/main" xmlns="" w="9525">
                   <a:solidFill>
                     <a:srgbClr val="000000"/>
                   </a:solidFill>
@@ -2591,7 +2592,7 @@
             </a:ln>
             <a:extLst>
               <a:ext uri="{91240B29-F687-4f45-9708-019B960494DF}">
-                <a14:hiddenLine xmlns="" xmlns:a14="http://schemas.microsoft.com/office/drawing/2010/main" w="9525">
+                <a14:hiddenLine xmlns:a14="http://schemas.microsoft.com/office/drawing/2010/main" xmlns="" w="9525">
                   <a:solidFill>
                     <a:srgbClr val="000000"/>
                   </a:solidFill>
@@ -2681,7 +2682,7 @@
             </a:ln>
             <a:extLst>
               <a:ext uri="{91240B29-F687-4f45-9708-019B960494DF}">
-                <a14:hiddenLine xmlns="" xmlns:a14="http://schemas.microsoft.com/office/drawing/2010/main" w="9525">
+                <a14:hiddenLine xmlns:a14="http://schemas.microsoft.com/office/drawing/2010/main" xmlns="" w="9525">
                   <a:solidFill>
                     <a:srgbClr val="000000"/>
                   </a:solidFill>
@@ -2715,7 +2716,7 @@
             </a:ln>
             <a:extLst>
               <a:ext uri="{91240B29-F687-4f45-9708-019B960494DF}">
-                <a14:hiddenLine xmlns="" xmlns:a14="http://schemas.microsoft.com/office/drawing/2010/main" w="9525">
+                <a14:hiddenLine xmlns:a14="http://schemas.microsoft.com/office/drawing/2010/main" xmlns="" w="9525">
                   <a:solidFill>
                     <a:srgbClr val="000000"/>
                   </a:solidFill>
@@ -2805,7 +2806,7 @@
             </a:ln>
             <a:extLst>
               <a:ext uri="{91240B29-F687-4f45-9708-019B960494DF}">
-                <a14:hiddenLine xmlns="" xmlns:a14="http://schemas.microsoft.com/office/drawing/2010/main" w="9525">
+                <a14:hiddenLine xmlns:a14="http://schemas.microsoft.com/office/drawing/2010/main" xmlns="" w="9525">
                   <a:solidFill>
                     <a:srgbClr val="000000"/>
                   </a:solidFill>
@@ -2867,7 +2868,7 @@
             </a:ln>
             <a:extLst>
               <a:ext uri="{91240B29-F687-4f45-9708-019B960494DF}">
-                <a14:hiddenLine xmlns="" xmlns:a14="http://schemas.microsoft.com/office/drawing/2010/main" w="9525">
+                <a14:hiddenLine xmlns:a14="http://schemas.microsoft.com/office/drawing/2010/main" xmlns="" w="9525">
                   <a:solidFill>
                     <a:srgbClr val="000000"/>
                   </a:solidFill>
@@ -2929,7 +2930,7 @@
             </a:ln>
             <a:extLst>
               <a:ext uri="{91240B29-F687-4f45-9708-019B960494DF}">
-                <a14:hiddenLine xmlns="" xmlns:a14="http://schemas.microsoft.com/office/drawing/2010/main" w="9525">
+                <a14:hiddenLine xmlns:a14="http://schemas.microsoft.com/office/drawing/2010/main" xmlns="" w="9525">
                   <a:solidFill>
                     <a:srgbClr val="000000"/>
                   </a:solidFill>
@@ -3019,7 +3020,7 @@
             </a:ln>
             <a:extLst>
               <a:ext uri="{91240B29-F687-4f45-9708-019B960494DF}">
-                <a14:hiddenLine xmlns="" xmlns:a14="http://schemas.microsoft.com/office/drawing/2010/main" w="9525">
+                <a14:hiddenLine xmlns:a14="http://schemas.microsoft.com/office/drawing/2010/main" xmlns="" w="9525">
                   <a:solidFill>
                     <a:srgbClr val="000000"/>
                   </a:solidFill>
@@ -3087,7 +3088,7 @@
             </a:ln>
             <a:extLst>
               <a:ext uri="{91240B29-F687-4f45-9708-019B960494DF}">
-                <a14:hiddenLine xmlns="" xmlns:a14="http://schemas.microsoft.com/office/drawing/2010/main" w="9525">
+                <a14:hiddenLine xmlns:a14="http://schemas.microsoft.com/office/drawing/2010/main" xmlns="" w="9525">
                   <a:solidFill>
                     <a:srgbClr val="000000"/>
                   </a:solidFill>
@@ -3149,7 +3150,7 @@
             </a:ln>
             <a:extLst>
               <a:ext uri="{91240B29-F687-4f45-9708-019B960494DF}">
-                <a14:hiddenLine xmlns="" xmlns:a14="http://schemas.microsoft.com/office/drawing/2010/main" w="9525">
+                <a14:hiddenLine xmlns:a14="http://schemas.microsoft.com/office/drawing/2010/main" xmlns="" w="9525">
                   <a:solidFill>
                     <a:srgbClr val="000000"/>
                   </a:solidFill>
@@ -3239,7 +3240,7 @@
             </a:ln>
             <a:extLst>
               <a:ext uri="{91240B29-F687-4f45-9708-019B960494DF}">
-                <a14:hiddenLine xmlns="" xmlns:a14="http://schemas.microsoft.com/office/drawing/2010/main" w="9525">
+                <a14:hiddenLine xmlns:a14="http://schemas.microsoft.com/office/drawing/2010/main" xmlns="" w="9525">
                   <a:solidFill>
                     <a:srgbClr val="000000"/>
                   </a:solidFill>
@@ -3301,7 +3302,7 @@
             </a:ln>
             <a:extLst>
               <a:ext uri="{91240B29-F687-4f45-9708-019B960494DF}">
-                <a14:hiddenLine xmlns="" xmlns:a14="http://schemas.microsoft.com/office/drawing/2010/main" w="9525">
+                <a14:hiddenLine xmlns:a14="http://schemas.microsoft.com/office/drawing/2010/main" xmlns="" w="9525">
                   <a:solidFill>
                     <a:srgbClr val="000000"/>
                   </a:solidFill>
@@ -3391,7 +3392,7 @@
             </a:ln>
             <a:extLst>
               <a:ext uri="{91240B29-F687-4f45-9708-019B960494DF}">
-                <a14:hiddenLine xmlns="" xmlns:a14="http://schemas.microsoft.com/office/drawing/2010/main" w="9525">
+                <a14:hiddenLine xmlns:a14="http://schemas.microsoft.com/office/drawing/2010/main" xmlns="" w="9525">
                   <a:solidFill>
                     <a:srgbClr val="000000"/>
                   </a:solidFill>
@@ -3453,7 +3454,7 @@
             </a:ln>
             <a:extLst>
               <a:ext uri="{91240B29-F687-4f45-9708-019B960494DF}">
-                <a14:hiddenLine xmlns="" xmlns:a14="http://schemas.microsoft.com/office/drawing/2010/main" w="9525">
+                <a14:hiddenLine xmlns:a14="http://schemas.microsoft.com/office/drawing/2010/main" xmlns="" w="9525">
                   <a:solidFill>
                     <a:srgbClr val="000000"/>
                   </a:solidFill>
@@ -3543,7 +3544,7 @@
             </a:ln>
             <a:extLst>
               <a:ext uri="{91240B29-F687-4f45-9708-019B960494DF}">
-                <a14:hiddenLine xmlns="" xmlns:a14="http://schemas.microsoft.com/office/drawing/2010/main" w="9525">
+                <a14:hiddenLine xmlns:a14="http://schemas.microsoft.com/office/drawing/2010/main" xmlns="" w="9525">
                   <a:solidFill>
                     <a:srgbClr val="000000"/>
                   </a:solidFill>
@@ -3577,7 +3578,7 @@
             </a:ln>
             <a:extLst>
               <a:ext uri="{91240B29-F687-4f45-9708-019B960494DF}">
-                <a14:hiddenLine xmlns="" xmlns:a14="http://schemas.microsoft.com/office/drawing/2010/main" w="9525">
+                <a14:hiddenLine xmlns:a14="http://schemas.microsoft.com/office/drawing/2010/main" xmlns="" w="9525">
                   <a:solidFill>
                     <a:srgbClr val="000000"/>
                   </a:solidFill>
@@ -3642,7 +3643,7 @@
             </a:ln>
             <a:extLst>
               <a:ext uri="{91240B29-F687-4f45-9708-019B960494DF}">
-                <a14:hiddenLine xmlns="" xmlns:a14="http://schemas.microsoft.com/office/drawing/2010/main" w="9525">
+                <a14:hiddenLine xmlns:a14="http://schemas.microsoft.com/office/drawing/2010/main" xmlns="" w="9525">
                   <a:solidFill>
                     <a:srgbClr val="000000"/>
                   </a:solidFill>
@@ -3732,7 +3733,7 @@
             </a:ln>
             <a:extLst>
               <a:ext uri="{91240B29-F687-4f45-9708-019B960494DF}">
-                <a14:hiddenLine xmlns="" xmlns:a14="http://schemas.microsoft.com/office/drawing/2010/main" w="9525">
+                <a14:hiddenLine xmlns:a14="http://schemas.microsoft.com/office/drawing/2010/main" xmlns="" w="9525">
                   <a:solidFill>
                     <a:srgbClr val="000000"/>
                   </a:solidFill>
@@ -3794,7 +3795,7 @@
             </a:ln>
             <a:extLst>
               <a:ext uri="{91240B29-F687-4f45-9708-019B960494DF}">
-                <a14:hiddenLine xmlns="" xmlns:a14="http://schemas.microsoft.com/office/drawing/2010/main" w="9525">
+                <a14:hiddenLine xmlns:a14="http://schemas.microsoft.com/office/drawing/2010/main" xmlns="" w="9525">
                   <a:solidFill>
                     <a:srgbClr val="000000"/>
                   </a:solidFill>
@@ -3884,7 +3885,7 @@
             </a:ln>
             <a:extLst>
               <a:ext uri="{91240B29-F687-4f45-9708-019B960494DF}">
-                <a14:hiddenLine xmlns="" xmlns:a14="http://schemas.microsoft.com/office/drawing/2010/main" w="9525">
+                <a14:hiddenLine xmlns:a14="http://schemas.microsoft.com/office/drawing/2010/main" xmlns="" w="9525">
                   <a:solidFill>
                     <a:srgbClr val="000000"/>
                   </a:solidFill>
@@ -3974,7 +3975,7 @@
             </a:ln>
             <a:extLst>
               <a:ext uri="{91240B29-F687-4f45-9708-019B960494DF}">
-                <a14:hiddenLine xmlns="" xmlns:a14="http://schemas.microsoft.com/office/drawing/2010/main" w="9525">
+                <a14:hiddenLine xmlns:a14="http://schemas.microsoft.com/office/drawing/2010/main" xmlns="" w="9525">
                   <a:solidFill>
                     <a:srgbClr val="000000"/>
                   </a:solidFill>
@@ -4039,7 +4040,7 @@
             </a:ln>
             <a:extLst>
               <a:ext uri="{91240B29-F687-4f45-9708-019B960494DF}">
-                <a14:hiddenLine xmlns="" xmlns:a14="http://schemas.microsoft.com/office/drawing/2010/main" w="9525">
+                <a14:hiddenLine xmlns:a14="http://schemas.microsoft.com/office/drawing/2010/main" xmlns="" w="9525">
                   <a:solidFill>
                     <a:srgbClr val="000000"/>
                   </a:solidFill>
@@ -4101,7 +4102,7 @@
             </a:ln>
             <a:extLst>
               <a:ext uri="{91240B29-F687-4f45-9708-019B960494DF}">
-                <a14:hiddenLine xmlns="" xmlns:a14="http://schemas.microsoft.com/office/drawing/2010/main" w="9525">
+                <a14:hiddenLine xmlns:a14="http://schemas.microsoft.com/office/drawing/2010/main" xmlns="" w="9525">
                   <a:solidFill>
                     <a:srgbClr val="000000"/>
                   </a:solidFill>
@@ -4191,7 +4192,7 @@
             </a:ln>
             <a:extLst>
               <a:ext uri="{91240B29-F687-4f45-9708-019B960494DF}">
-                <a14:hiddenLine xmlns="" xmlns:a14="http://schemas.microsoft.com/office/drawing/2010/main" w="9525">
+                <a14:hiddenLine xmlns:a14="http://schemas.microsoft.com/office/drawing/2010/main" xmlns="" w="9525">
                   <a:solidFill>
                     <a:srgbClr val="000000"/>
                   </a:solidFill>
@@ -4281,7 +4282,7 @@
             </a:ln>
             <a:extLst>
               <a:ext uri="{91240B29-F687-4f45-9708-019B960494DF}">
-                <a14:hiddenLine xmlns="" xmlns:a14="http://schemas.microsoft.com/office/drawing/2010/main" w="9525">
+                <a14:hiddenLine xmlns:a14="http://schemas.microsoft.com/office/drawing/2010/main" xmlns="" w="9525">
                   <a:solidFill>
                     <a:srgbClr val="000000"/>
                   </a:solidFill>
@@ -4343,7 +4344,7 @@
             </a:ln>
             <a:extLst>
               <a:ext uri="{91240B29-F687-4f45-9708-019B960494DF}">
-                <a14:hiddenLine xmlns="" xmlns:a14="http://schemas.microsoft.com/office/drawing/2010/main" w="9525">
+                <a14:hiddenLine xmlns:a14="http://schemas.microsoft.com/office/drawing/2010/main" xmlns="" w="9525">
                   <a:solidFill>
                     <a:srgbClr val="000000"/>
                   </a:solidFill>
@@ -4463,7 +4464,7 @@
             </a:ln>
             <a:extLst>
               <a:ext uri="{91240B29-F687-4f45-9708-019B960494DF}">
-                <a14:hiddenLine xmlns="" xmlns:a14="http://schemas.microsoft.com/office/drawing/2010/main" w="9525">
+                <a14:hiddenLine xmlns:a14="http://schemas.microsoft.com/office/drawing/2010/main" xmlns="" w="9525">
                   <a:solidFill>
                     <a:srgbClr val="000000"/>
                   </a:solidFill>
@@ -4531,7 +4532,7 @@
             </a:ln>
             <a:extLst>
               <a:ext uri="{91240B29-F687-4f45-9708-019B960494DF}">
-                <a14:hiddenLine xmlns="" xmlns:a14="http://schemas.microsoft.com/office/drawing/2010/main" w="9525">
+                <a14:hiddenLine xmlns:a14="http://schemas.microsoft.com/office/drawing/2010/main" xmlns="" w="9525">
                   <a:solidFill>
                     <a:srgbClr val="000000"/>
                   </a:solidFill>
@@ -4621,7 +4622,7 @@
             </a:ln>
             <a:extLst>
               <a:ext uri="{91240B29-F687-4f45-9708-019B960494DF}">
-                <a14:hiddenLine xmlns="" xmlns:a14="http://schemas.microsoft.com/office/drawing/2010/main" w="9525">
+                <a14:hiddenLine xmlns:a14="http://schemas.microsoft.com/office/drawing/2010/main" xmlns="" w="9525">
                   <a:solidFill>
                     <a:srgbClr val="000000"/>
                   </a:solidFill>
@@ -4761,7 +4762,7 @@
           <a:p>
             <a:fld id="{348D1148-AA36-4684-835C-5806DCFCF7AA}" type="datetimeFigureOut">
               <a:rPr lang="ru-RU" smtClean="0"/>
-              <a:t>07.02.2022</a:t>
+              <a:t>13.02.2022</a:t>
             </a:fld>
             <a:endParaRPr lang="ru-RU"/>
           </a:p>
@@ -5028,7 +5029,7 @@
           <a:p>
             <a:fld id="{348D1148-AA36-4684-835C-5806DCFCF7AA}" type="datetimeFigureOut">
               <a:rPr lang="ru-RU" smtClean="0"/>
-              <a:t>07.02.2022</a:t>
+              <a:t>13.02.2022</a:t>
             </a:fld>
             <a:endParaRPr lang="ru-RU"/>
           </a:p>
@@ -5224,7 +5225,7 @@
           <a:p>
             <a:fld id="{348D1148-AA36-4684-835C-5806DCFCF7AA}" type="datetimeFigureOut">
               <a:rPr lang="ru-RU" smtClean="0"/>
-              <a:t>07.02.2022</a:t>
+              <a:t>13.02.2022</a:t>
             </a:fld>
             <a:endParaRPr lang="ru-RU"/>
           </a:p>
@@ -5487,7 +5488,7 @@
           <a:p>
             <a:fld id="{348D1148-AA36-4684-835C-5806DCFCF7AA}" type="datetimeFigureOut">
               <a:rPr lang="ru-RU" smtClean="0"/>
-              <a:t>07.02.2022</a:t>
+              <a:t>13.02.2022</a:t>
             </a:fld>
             <a:endParaRPr lang="ru-RU"/>
           </a:p>
@@ -5921,7 +5922,7 @@
           <a:p>
             <a:fld id="{348D1148-AA36-4684-835C-5806DCFCF7AA}" type="datetimeFigureOut">
               <a:rPr lang="ru-RU" smtClean="0"/>
-              <a:t>07.02.2022</a:t>
+              <a:t>13.02.2022</a:t>
             </a:fld>
             <a:endParaRPr lang="ru-RU"/>
           </a:p>
@@ -6467,7 +6468,7 @@
           <a:p>
             <a:fld id="{348D1148-AA36-4684-835C-5806DCFCF7AA}" type="datetimeFigureOut">
               <a:rPr lang="ru-RU" smtClean="0"/>
-              <a:t>07.02.2022</a:t>
+              <a:t>13.02.2022</a:t>
             </a:fld>
             <a:endParaRPr lang="ru-RU"/>
           </a:p>
@@ -7187,7 +7188,7 @@
           <a:p>
             <a:fld id="{348D1148-AA36-4684-835C-5806DCFCF7AA}" type="datetimeFigureOut">
               <a:rPr lang="ru-RU" smtClean="0"/>
-              <a:t>07.02.2022</a:t>
+              <a:t>13.02.2022</a:t>
             </a:fld>
             <a:endParaRPr lang="ru-RU"/>
           </a:p>
@@ -7357,7 +7358,7 @@
           <a:p>
             <a:fld id="{348D1148-AA36-4684-835C-5806DCFCF7AA}" type="datetimeFigureOut">
               <a:rPr lang="ru-RU" smtClean="0"/>
-              <a:t>07.02.2022</a:t>
+              <a:t>13.02.2022</a:t>
             </a:fld>
             <a:endParaRPr lang="ru-RU"/>
           </a:p>
@@ -7537,7 +7538,7 @@
           <a:p>
             <a:fld id="{348D1148-AA36-4684-835C-5806DCFCF7AA}" type="datetimeFigureOut">
               <a:rPr lang="ru-RU" smtClean="0"/>
-              <a:t>07.02.2022</a:t>
+              <a:t>13.02.2022</a:t>
             </a:fld>
             <a:endParaRPr lang="ru-RU"/>
           </a:p>
@@ -7707,7 +7708,7 @@
           <a:p>
             <a:fld id="{348D1148-AA36-4684-835C-5806DCFCF7AA}" type="datetimeFigureOut">
               <a:rPr lang="ru-RU" smtClean="0"/>
-              <a:t>07.02.2022</a:t>
+              <a:t>13.02.2022</a:t>
             </a:fld>
             <a:endParaRPr lang="ru-RU"/>
           </a:p>
@@ -7957,7 +7958,7 @@
           <a:p>
             <a:fld id="{348D1148-AA36-4684-835C-5806DCFCF7AA}" type="datetimeFigureOut">
               <a:rPr lang="ru-RU" smtClean="0"/>
-              <a:t>07.02.2022</a:t>
+              <a:t>13.02.2022</a:t>
             </a:fld>
             <a:endParaRPr lang="ru-RU"/>
           </a:p>
@@ -8189,7 +8190,7 @@
           <a:p>
             <a:fld id="{348D1148-AA36-4684-835C-5806DCFCF7AA}" type="datetimeFigureOut">
               <a:rPr lang="ru-RU" smtClean="0"/>
-              <a:t>07.02.2022</a:t>
+              <a:t>13.02.2022</a:t>
             </a:fld>
             <a:endParaRPr lang="ru-RU"/>
           </a:p>
@@ -8570,7 +8571,7 @@
           <a:p>
             <a:fld id="{348D1148-AA36-4684-835C-5806DCFCF7AA}" type="datetimeFigureOut">
               <a:rPr lang="ru-RU" smtClean="0"/>
-              <a:t>07.02.2022</a:t>
+              <a:t>13.02.2022</a:t>
             </a:fld>
             <a:endParaRPr lang="ru-RU"/>
           </a:p>
@@ -8688,7 +8689,7 @@
           <a:p>
             <a:fld id="{348D1148-AA36-4684-835C-5806DCFCF7AA}" type="datetimeFigureOut">
               <a:rPr lang="ru-RU" smtClean="0"/>
-              <a:t>07.02.2022</a:t>
+              <a:t>13.02.2022</a:t>
             </a:fld>
             <a:endParaRPr lang="ru-RU"/>
           </a:p>
@@ -8783,7 +8784,7 @@
           <a:p>
             <a:fld id="{348D1148-AA36-4684-835C-5806DCFCF7AA}" type="datetimeFigureOut">
               <a:rPr lang="ru-RU" smtClean="0"/>
-              <a:t>07.02.2022</a:t>
+              <a:t>13.02.2022</a:t>
             </a:fld>
             <a:endParaRPr lang="ru-RU"/>
           </a:p>
@@ -9032,7 +9033,7 @@
           <a:p>
             <a:fld id="{348D1148-AA36-4684-835C-5806DCFCF7AA}" type="datetimeFigureOut">
               <a:rPr lang="ru-RU" smtClean="0"/>
-              <a:t>07.02.2022</a:t>
+              <a:t>13.02.2022</a:t>
             </a:fld>
             <a:endParaRPr lang="ru-RU"/>
           </a:p>
@@ -9312,7 +9313,7 @@
           <a:p>
             <a:fld id="{348D1148-AA36-4684-835C-5806DCFCF7AA}" type="datetimeFigureOut">
               <a:rPr lang="ru-RU" smtClean="0"/>
-              <a:t>07.02.2022</a:t>
+              <a:t>13.02.2022</a:t>
             </a:fld>
             <a:endParaRPr lang="ru-RU"/>
           </a:p>
@@ -9435,7 +9436,7 @@
           <a:noFill/>
           <a:extLst>
             <a:ext uri="{909E8E84-426E-40dd-AFC4-6F175D3DCCD1}">
-              <a14:hiddenFill xmlns="" xmlns:a14="http://schemas.microsoft.com/office/drawing/2010/main">
+              <a14:hiddenFill xmlns:a14="http://schemas.microsoft.com/office/drawing/2010/main" xmlns="">
                 <a:solidFill>
                   <a:srgbClr val="FFFFFF"/>
                 </a:solidFill>
@@ -9509,7 +9510,7 @@
               </a:ln>
               <a:extLst>
                 <a:ext uri="{91240B29-F687-4f45-9708-019B960494DF}">
-                  <a14:hiddenLine xmlns="" xmlns:a14="http://schemas.microsoft.com/office/drawing/2010/main" w="9525">
+                  <a14:hiddenLine xmlns:a14="http://schemas.microsoft.com/office/drawing/2010/main" xmlns="" w="9525">
                     <a:solidFill>
                       <a:srgbClr val="000000"/>
                     </a:solidFill>
@@ -9599,7 +9600,7 @@
               </a:ln>
               <a:extLst>
                 <a:ext uri="{91240B29-F687-4f45-9708-019B960494DF}">
-                  <a14:hiddenLine xmlns="" xmlns:a14="http://schemas.microsoft.com/office/drawing/2010/main" w="9525">
+                  <a14:hiddenLine xmlns:a14="http://schemas.microsoft.com/office/drawing/2010/main" xmlns="" w="9525">
                     <a:solidFill>
                       <a:srgbClr val="000000"/>
                     </a:solidFill>
@@ -9689,7 +9690,7 @@
               </a:ln>
               <a:extLst>
                 <a:ext uri="{91240B29-F687-4f45-9708-019B960494DF}">
-                  <a14:hiddenLine xmlns="" xmlns:a14="http://schemas.microsoft.com/office/drawing/2010/main" w="9525">
+                  <a14:hiddenLine xmlns:a14="http://schemas.microsoft.com/office/drawing/2010/main" xmlns="" w="9525">
                     <a:solidFill>
                       <a:srgbClr val="000000"/>
                     </a:solidFill>
@@ -9751,7 +9752,7 @@
               </a:ln>
               <a:extLst>
                 <a:ext uri="{91240B29-F687-4f45-9708-019B960494DF}">
-                  <a14:hiddenLine xmlns="" xmlns:a14="http://schemas.microsoft.com/office/drawing/2010/main" w="9525">
+                  <a14:hiddenLine xmlns:a14="http://schemas.microsoft.com/office/drawing/2010/main" xmlns="" w="9525">
                     <a:solidFill>
                       <a:srgbClr val="000000"/>
                     </a:solidFill>
@@ -9841,7 +9842,7 @@
               </a:ln>
               <a:extLst>
                 <a:ext uri="{91240B29-F687-4f45-9708-019B960494DF}">
-                  <a14:hiddenLine xmlns="" xmlns:a14="http://schemas.microsoft.com/office/drawing/2010/main" w="9525">
+                  <a14:hiddenLine xmlns:a14="http://schemas.microsoft.com/office/drawing/2010/main" xmlns="" w="9525">
                     <a:solidFill>
                       <a:srgbClr val="000000"/>
                     </a:solidFill>
@@ -9903,7 +9904,7 @@
               </a:ln>
               <a:extLst>
                 <a:ext uri="{91240B29-F687-4f45-9708-019B960494DF}">
-                  <a14:hiddenLine xmlns="" xmlns:a14="http://schemas.microsoft.com/office/drawing/2010/main" w="9525">
+                  <a14:hiddenLine xmlns:a14="http://schemas.microsoft.com/office/drawing/2010/main" xmlns="" w="9525">
                     <a:solidFill>
                       <a:srgbClr val="000000"/>
                     </a:solidFill>
@@ -9965,7 +9966,7 @@
               </a:ln>
               <a:extLst>
                 <a:ext uri="{91240B29-F687-4f45-9708-019B960494DF}">
-                  <a14:hiddenLine xmlns="" xmlns:a14="http://schemas.microsoft.com/office/drawing/2010/main" w="9525">
+                  <a14:hiddenLine xmlns:a14="http://schemas.microsoft.com/office/drawing/2010/main" xmlns="" w="9525">
                     <a:solidFill>
                       <a:srgbClr val="000000"/>
                     </a:solidFill>
@@ -10055,7 +10056,7 @@
               </a:ln>
               <a:extLst>
                 <a:ext uri="{91240B29-F687-4f45-9708-019B960494DF}">
-                  <a14:hiddenLine xmlns="" xmlns:a14="http://schemas.microsoft.com/office/drawing/2010/main" w="9525">
+                  <a14:hiddenLine xmlns:a14="http://schemas.microsoft.com/office/drawing/2010/main" xmlns="" w="9525">
                     <a:solidFill>
                       <a:srgbClr val="000000"/>
                     </a:solidFill>
@@ -10145,7 +10146,7 @@
               </a:ln>
               <a:extLst>
                 <a:ext uri="{91240B29-F687-4f45-9708-019B960494DF}">
-                  <a14:hiddenLine xmlns="" xmlns:a14="http://schemas.microsoft.com/office/drawing/2010/main" w="9525">
+                  <a14:hiddenLine xmlns:a14="http://schemas.microsoft.com/office/drawing/2010/main" xmlns="" w="9525">
                     <a:solidFill>
                       <a:srgbClr val="000000"/>
                     </a:solidFill>
@@ -10207,7 +10208,7 @@
               </a:ln>
               <a:extLst>
                 <a:ext uri="{91240B29-F687-4f45-9708-019B960494DF}">
-                  <a14:hiddenLine xmlns="" xmlns:a14="http://schemas.microsoft.com/office/drawing/2010/main" w="9525">
+                  <a14:hiddenLine xmlns:a14="http://schemas.microsoft.com/office/drawing/2010/main" xmlns="" w="9525">
                     <a:solidFill>
                       <a:srgbClr val="000000"/>
                     </a:solidFill>
@@ -10317,7 +10318,7 @@
               </a:ln>
               <a:extLst>
                 <a:ext uri="{91240B29-F687-4f45-9708-019B960494DF}">
-                  <a14:hiddenLine xmlns="" xmlns:a14="http://schemas.microsoft.com/office/drawing/2010/main" w="9525">
+                  <a14:hiddenLine xmlns:a14="http://schemas.microsoft.com/office/drawing/2010/main" xmlns="" w="9525">
                     <a:solidFill>
                       <a:srgbClr val="000000"/>
                     </a:solidFill>
@@ -10401,7 +10402,7 @@
               </a:ln>
               <a:extLst>
                 <a:ext uri="{91240B29-F687-4f45-9708-019B960494DF}">
-                  <a14:hiddenLine xmlns="" xmlns:a14="http://schemas.microsoft.com/office/drawing/2010/main" w="9525">
+                  <a14:hiddenLine xmlns:a14="http://schemas.microsoft.com/office/drawing/2010/main" xmlns="" w="9525">
                     <a:solidFill>
                       <a:srgbClr val="000000"/>
                     </a:solidFill>
@@ -10463,7 +10464,7 @@
               </a:ln>
               <a:extLst>
                 <a:ext uri="{91240B29-F687-4f45-9708-019B960494DF}">
-                  <a14:hiddenLine xmlns="" xmlns:a14="http://schemas.microsoft.com/office/drawing/2010/main" w="9525">
+                  <a14:hiddenLine xmlns:a14="http://schemas.microsoft.com/office/drawing/2010/main" xmlns="" w="9525">
                     <a:solidFill>
                       <a:srgbClr val="000000"/>
                     </a:solidFill>
@@ -10525,7 +10526,7 @@
               </a:ln>
               <a:extLst>
                 <a:ext uri="{91240B29-F687-4f45-9708-019B960494DF}">
-                  <a14:hiddenLine xmlns="" xmlns:a14="http://schemas.microsoft.com/office/drawing/2010/main" w="9525">
+                  <a14:hiddenLine xmlns:a14="http://schemas.microsoft.com/office/drawing/2010/main" xmlns="" w="9525">
                     <a:solidFill>
                       <a:srgbClr val="000000"/>
                     </a:solidFill>
@@ -10615,7 +10616,7 @@
               </a:ln>
               <a:extLst>
                 <a:ext uri="{91240B29-F687-4f45-9708-019B960494DF}">
-                  <a14:hiddenLine xmlns="" xmlns:a14="http://schemas.microsoft.com/office/drawing/2010/main" w="9525">
+                  <a14:hiddenLine xmlns:a14="http://schemas.microsoft.com/office/drawing/2010/main" xmlns="" w="9525">
                     <a:solidFill>
                       <a:srgbClr val="000000"/>
                     </a:solidFill>
@@ -10649,7 +10650,7 @@
               </a:ln>
               <a:extLst>
                 <a:ext uri="{91240B29-F687-4f45-9708-019B960494DF}">
-                  <a14:hiddenLine xmlns="" xmlns:a14="http://schemas.microsoft.com/office/drawing/2010/main" w="9525">
+                  <a14:hiddenLine xmlns:a14="http://schemas.microsoft.com/office/drawing/2010/main" xmlns="" w="9525">
                     <a:solidFill>
                       <a:srgbClr val="000000"/>
                     </a:solidFill>
@@ -10714,7 +10715,7 @@
               </a:ln>
               <a:extLst>
                 <a:ext uri="{91240B29-F687-4f45-9708-019B960494DF}">
-                  <a14:hiddenLine xmlns="" xmlns:a14="http://schemas.microsoft.com/office/drawing/2010/main" w="9525">
+                  <a14:hiddenLine xmlns:a14="http://schemas.microsoft.com/office/drawing/2010/main" xmlns="" w="9525">
                     <a:solidFill>
                       <a:srgbClr val="000000"/>
                     </a:solidFill>
@@ -10804,7 +10805,7 @@
               </a:ln>
               <a:extLst>
                 <a:ext uri="{91240B29-F687-4f45-9708-019B960494DF}">
-                  <a14:hiddenLine xmlns="" xmlns:a14="http://schemas.microsoft.com/office/drawing/2010/main" w="9525">
+                  <a14:hiddenLine xmlns:a14="http://schemas.microsoft.com/office/drawing/2010/main" xmlns="" w="9525">
                     <a:solidFill>
                       <a:srgbClr val="000000"/>
                     </a:solidFill>
@@ -10866,7 +10867,7 @@
               </a:ln>
               <a:extLst>
                 <a:ext uri="{91240B29-F687-4f45-9708-019B960494DF}">
-                  <a14:hiddenLine xmlns="" xmlns:a14="http://schemas.microsoft.com/office/drawing/2010/main" w="9525">
+                  <a14:hiddenLine xmlns:a14="http://schemas.microsoft.com/office/drawing/2010/main" xmlns="" w="9525">
                     <a:solidFill>
                       <a:srgbClr val="000000"/>
                     </a:solidFill>
@@ -10956,7 +10957,7 @@
               </a:ln>
               <a:extLst>
                 <a:ext uri="{91240B29-F687-4f45-9708-019B960494DF}">
-                  <a14:hiddenLine xmlns="" xmlns:a14="http://schemas.microsoft.com/office/drawing/2010/main" w="9525">
+                  <a14:hiddenLine xmlns:a14="http://schemas.microsoft.com/office/drawing/2010/main" xmlns="" w="9525">
                     <a:solidFill>
                       <a:srgbClr val="000000"/>
                     </a:solidFill>
@@ -11021,7 +11022,7 @@
               </a:ln>
               <a:extLst>
                 <a:ext uri="{91240B29-F687-4f45-9708-019B960494DF}">
-                  <a14:hiddenLine xmlns="" xmlns:a14="http://schemas.microsoft.com/office/drawing/2010/main" w="9525">
+                  <a14:hiddenLine xmlns:a14="http://schemas.microsoft.com/office/drawing/2010/main" xmlns="" w="9525">
                     <a:solidFill>
                       <a:srgbClr val="000000"/>
                     </a:solidFill>
@@ -11083,7 +11084,7 @@
               </a:ln>
               <a:extLst>
                 <a:ext uri="{91240B29-F687-4f45-9708-019B960494DF}">
-                  <a14:hiddenLine xmlns="" xmlns:a14="http://schemas.microsoft.com/office/drawing/2010/main" w="9525">
+                  <a14:hiddenLine xmlns:a14="http://schemas.microsoft.com/office/drawing/2010/main" xmlns="" w="9525">
                     <a:solidFill>
                       <a:srgbClr val="000000"/>
                     </a:solidFill>
@@ -11173,7 +11174,7 @@
               </a:ln>
               <a:extLst>
                 <a:ext uri="{91240B29-F687-4f45-9708-019B960494DF}">
-                  <a14:hiddenLine xmlns="" xmlns:a14="http://schemas.microsoft.com/office/drawing/2010/main" w="9525">
+                  <a14:hiddenLine xmlns:a14="http://schemas.microsoft.com/office/drawing/2010/main" xmlns="" w="9525">
                     <a:solidFill>
                       <a:srgbClr val="000000"/>
                     </a:solidFill>
@@ -11263,7 +11264,7 @@
               </a:ln>
               <a:extLst>
                 <a:ext uri="{91240B29-F687-4f45-9708-019B960494DF}">
-                  <a14:hiddenLine xmlns="" xmlns:a14="http://schemas.microsoft.com/office/drawing/2010/main" w="9525">
+                  <a14:hiddenLine xmlns:a14="http://schemas.microsoft.com/office/drawing/2010/main" xmlns="" w="9525">
                     <a:solidFill>
                       <a:srgbClr val="000000"/>
                     </a:solidFill>
@@ -11328,7 +11329,7 @@
               </a:ln>
               <a:extLst>
                 <a:ext uri="{91240B29-F687-4f45-9708-019B960494DF}">
-                  <a14:hiddenLine xmlns="" xmlns:a14="http://schemas.microsoft.com/office/drawing/2010/main" w="9525">
+                  <a14:hiddenLine xmlns:a14="http://schemas.microsoft.com/office/drawing/2010/main" xmlns="" w="9525">
                     <a:solidFill>
                       <a:srgbClr val="000000"/>
                     </a:solidFill>
@@ -11448,7 +11449,7 @@
               </a:ln>
               <a:extLst>
                 <a:ext uri="{91240B29-F687-4f45-9708-019B960494DF}">
-                  <a14:hiddenLine xmlns="" xmlns:a14="http://schemas.microsoft.com/office/drawing/2010/main" w="9525">
+                  <a14:hiddenLine xmlns:a14="http://schemas.microsoft.com/office/drawing/2010/main" xmlns="" w="9525">
                     <a:solidFill>
                       <a:srgbClr val="000000"/>
                     </a:solidFill>
@@ -11529,7 +11530,7 @@
               </a:ln>
               <a:extLst>
                 <a:ext uri="{91240B29-F687-4f45-9708-019B960494DF}">
-                  <a14:hiddenLine xmlns="" xmlns:a14="http://schemas.microsoft.com/office/drawing/2010/main" w="9525">
+                  <a14:hiddenLine xmlns:a14="http://schemas.microsoft.com/office/drawing/2010/main" xmlns="" w="9525">
                     <a:solidFill>
                       <a:srgbClr val="000000"/>
                     </a:solidFill>
@@ -11644,7 +11645,7 @@
               </a:ln>
               <a:extLst>
                 <a:ext uri="{91240B29-F687-4f45-9708-019B960494DF}">
-                  <a14:hiddenLine xmlns="" xmlns:a14="http://schemas.microsoft.com/office/drawing/2010/main" w="9525">
+                  <a14:hiddenLine xmlns:a14="http://schemas.microsoft.com/office/drawing/2010/main" xmlns="" w="9525">
                     <a:solidFill>
                       <a:srgbClr val="000000"/>
                     </a:solidFill>
@@ -11734,7 +11735,7 @@
               </a:ln>
               <a:extLst>
                 <a:ext uri="{91240B29-F687-4f45-9708-019B960494DF}">
-                  <a14:hiddenLine xmlns="" xmlns:a14="http://schemas.microsoft.com/office/drawing/2010/main" w="9525">
+                  <a14:hiddenLine xmlns:a14="http://schemas.microsoft.com/office/drawing/2010/main" xmlns="" w="9525">
                     <a:solidFill>
                       <a:srgbClr val="000000"/>
                     </a:solidFill>
@@ -11799,7 +11800,7 @@
               </a:ln>
               <a:extLst>
                 <a:ext uri="{91240B29-F687-4f45-9708-019B960494DF}">
-                  <a14:hiddenLine xmlns="" xmlns:a14="http://schemas.microsoft.com/office/drawing/2010/main" w="9525">
+                  <a14:hiddenLine xmlns:a14="http://schemas.microsoft.com/office/drawing/2010/main" xmlns="" w="9525">
                     <a:solidFill>
                       <a:srgbClr val="000000"/>
                     </a:solidFill>
@@ -11889,7 +11890,7 @@
               </a:ln>
               <a:extLst>
                 <a:ext uri="{91240B29-F687-4f45-9708-019B960494DF}">
-                  <a14:hiddenLine xmlns="" xmlns:a14="http://schemas.microsoft.com/office/drawing/2010/main" w="9525">
+                  <a14:hiddenLine xmlns:a14="http://schemas.microsoft.com/office/drawing/2010/main" xmlns="" w="9525">
                     <a:solidFill>
                       <a:srgbClr val="000000"/>
                     </a:solidFill>
@@ -11957,7 +11958,7 @@
               </a:ln>
               <a:extLst>
                 <a:ext uri="{91240B29-F687-4f45-9708-019B960494DF}">
-                  <a14:hiddenLine xmlns="" xmlns:a14="http://schemas.microsoft.com/office/drawing/2010/main" w="9525">
+                  <a14:hiddenLine xmlns:a14="http://schemas.microsoft.com/office/drawing/2010/main" xmlns="" w="9525">
                     <a:solidFill>
                       <a:srgbClr val="000000"/>
                     </a:solidFill>
@@ -12047,7 +12048,7 @@
               </a:ln>
               <a:extLst>
                 <a:ext uri="{91240B29-F687-4f45-9708-019B960494DF}">
-                  <a14:hiddenLine xmlns="" xmlns:a14="http://schemas.microsoft.com/office/drawing/2010/main" w="9525">
+                  <a14:hiddenLine xmlns:a14="http://schemas.microsoft.com/office/drawing/2010/main" xmlns="" w="9525">
                     <a:solidFill>
                       <a:srgbClr val="000000"/>
                     </a:solidFill>
@@ -12115,7 +12116,7 @@
               </a:ln>
               <a:extLst>
                 <a:ext uri="{91240B29-F687-4f45-9708-019B960494DF}">
-                  <a14:hiddenLine xmlns="" xmlns:a14="http://schemas.microsoft.com/office/drawing/2010/main" w="9525">
+                  <a14:hiddenLine xmlns:a14="http://schemas.microsoft.com/office/drawing/2010/main" xmlns="" w="9525">
                     <a:solidFill>
                       <a:srgbClr val="000000"/>
                     </a:solidFill>
@@ -12205,7 +12206,7 @@
               </a:ln>
               <a:extLst>
                 <a:ext uri="{91240B29-F687-4f45-9708-019B960494DF}">
-                  <a14:hiddenLine xmlns="" xmlns:a14="http://schemas.microsoft.com/office/drawing/2010/main" w="9525">
+                  <a14:hiddenLine xmlns:a14="http://schemas.microsoft.com/office/drawing/2010/main" xmlns="" w="9525">
                     <a:solidFill>
                       <a:srgbClr val="000000"/>
                     </a:solidFill>
@@ -12239,7 +12240,7 @@
               </a:ln>
               <a:extLst>
                 <a:ext uri="{91240B29-F687-4f45-9708-019B960494DF}">
-                  <a14:hiddenLine xmlns="" xmlns:a14="http://schemas.microsoft.com/office/drawing/2010/main" w="9525">
+                  <a14:hiddenLine xmlns:a14="http://schemas.microsoft.com/office/drawing/2010/main" xmlns="" w="9525">
                     <a:solidFill>
                       <a:srgbClr val="000000"/>
                     </a:solidFill>
@@ -12379,7 +12380,7 @@
           <a:p>
             <a:fld id="{348D1148-AA36-4684-835C-5806DCFCF7AA}" type="datetimeFigureOut">
               <a:rPr lang="ru-RU" smtClean="0"/>
-              <a:t>07.02.2022</a:t>
+              <a:t>13.02.2022</a:t>
             </a:fld>
             <a:endParaRPr lang="ru-RU"/>
           </a:p>
@@ -15755,6 +15756,1234 @@
 </file>
 
 <file path=ppt/slides/slide15.xml><?xml version="1.0" encoding="utf-8"?>
+<p:sld xmlns:a="http://schemas.openxmlformats.org/drawingml/2006/main" xmlns:r="http://schemas.openxmlformats.org/officeDocument/2006/relationships" xmlns:p="http://schemas.openxmlformats.org/presentationml/2006/main">
+  <p:cSld>
+    <p:bg>
+      <p:bgPr>
+        <a:blipFill>
+          <a:blip r:embed="rId2">
+            <a:duotone>
+              <a:schemeClr val="bg2">
+                <a:shade val="48000"/>
+                <a:hueMod val="106000"/>
+                <a:satMod val="140000"/>
+                <a:lumMod val="42000"/>
+              </a:schemeClr>
+              <a:schemeClr val="bg2">
+                <a:tint val="98000"/>
+                <a:hueMod val="92000"/>
+                <a:satMod val="220000"/>
+                <a:lumMod val="90000"/>
+              </a:schemeClr>
+            </a:duotone>
+            <a:extLst>
+              <a:ext uri="{BEBA8EAE-BF5A-486C-A8C5-ECC9F3942E4B}">
+                <a14:imgProps xmlns:a14="http://schemas.microsoft.com/office/drawing/2010/main">
+                  <a14:imgLayer r:embed="rId3">
+                    <a14:imgEffect>
+                      <a14:brightnessContrast bright="-100000"/>
+                    </a14:imgEffect>
+                  </a14:imgLayer>
+                </a14:imgProps>
+              </a:ext>
+            </a:extLst>
+          </a:blip>
+          <a:stretch/>
+        </a:blipFill>
+        <a:effectLst/>
+      </p:bgPr>
+    </p:bg>
+    <p:spTree>
+      <p:nvGrpSpPr>
+        <p:cNvPr id="1" name=""/>
+        <p:cNvGrpSpPr/>
+        <p:nvPr/>
+      </p:nvGrpSpPr>
+      <p:grpSpPr>
+        <a:xfrm>
+          <a:off x="0" y="0"/>
+          <a:ext cx="0" cy="0"/>
+          <a:chOff x="0" y="0"/>
+          <a:chExt cx="0" cy="0"/>
+        </a:xfrm>
+      </p:grpSpPr>
+      <p:sp>
+        <p:nvSpPr>
+          <p:cNvPr id="2" name="Title 1">
+            <a:extLst>
+              <a:ext uri="{FF2B5EF4-FFF2-40B4-BE49-F238E27FC236}">
+                <a16:creationId xmlns:a16="http://schemas.microsoft.com/office/drawing/2014/main" id="{BDBA0D75-288E-4498-BEEE-F0BE2C70965D}"/>
+              </a:ext>
+            </a:extLst>
+          </p:cNvPr>
+          <p:cNvSpPr>
+            <a:spLocks noGrp="1"/>
+          </p:cNvSpPr>
+          <p:nvPr>
+            <p:ph type="title"/>
+          </p:nvPr>
+        </p:nvSpPr>
+        <p:spPr>
+          <a:xfrm>
+            <a:off x="1141413" y="359149"/>
+            <a:ext cx="9905998" cy="1478570"/>
+          </a:xfrm>
+        </p:spPr>
+        <p:txBody>
+          <a:bodyPr/>
+          <a:lstStyle/>
+          <a:p>
+            <a:r>
+              <a:rPr lang="ru-UA" dirty="0"/>
+              <a:t>Пример программы С++</a:t>
+            </a:r>
+            <a:endParaRPr lang="ru-RU" dirty="0"/>
+          </a:p>
+        </p:txBody>
+      </p:sp>
+      <p:sp>
+        <p:nvSpPr>
+          <p:cNvPr id="3" name="Content Placeholder 2">
+            <a:extLst>
+              <a:ext uri="{FF2B5EF4-FFF2-40B4-BE49-F238E27FC236}">
+                <a16:creationId xmlns:a16="http://schemas.microsoft.com/office/drawing/2014/main" id="{2EF2176F-A672-4FB7-B9BC-3FCDB153BE3D}"/>
+              </a:ext>
+            </a:extLst>
+          </p:cNvPr>
+          <p:cNvSpPr>
+            <a:spLocks noGrp="1"/>
+          </p:cNvSpPr>
+          <p:nvPr>
+            <p:ph idx="1"/>
+          </p:nvPr>
+        </p:nvSpPr>
+        <p:spPr>
+          <a:xfrm>
+            <a:off x="1141414" y="1847274"/>
+            <a:ext cx="6102766" cy="4392208"/>
+          </a:xfrm>
+        </p:spPr>
+        <p:txBody>
+          <a:bodyPr>
+            <a:normAutofit lnSpcReduction="10000"/>
+          </a:bodyPr>
+          <a:lstStyle/>
+          <a:p>
+            <a:pPr marL="0" indent="0" algn="just">
+              <a:spcBef>
+                <a:spcPts val="2400"/>
+              </a:spcBef>
+              <a:buNone/>
+            </a:pPr>
+            <a:r>
+              <a:rPr lang="en-GB" sz="2200" dirty="0">
+                <a:solidFill>
+                  <a:srgbClr val="C586C0"/>
+                </a:solidFill>
+                <a:latin typeface="Consolas" panose="020B0609020204030204" pitchFamily="49" charset="0"/>
+              </a:rPr>
+              <a:t>#include</a:t>
+            </a:r>
+            <a:r>
+              <a:rPr lang="en-GB" sz="2200" dirty="0">
+                <a:solidFill>
+                  <a:srgbClr val="569CD6"/>
+                </a:solidFill>
+                <a:latin typeface="Consolas" panose="020B0609020204030204" pitchFamily="49" charset="0"/>
+              </a:rPr>
+              <a:t> </a:t>
+            </a:r>
+            <a:r>
+              <a:rPr lang="en-GB" sz="2200" dirty="0">
+                <a:solidFill>
+                  <a:srgbClr val="CE9178"/>
+                </a:solidFill>
+                <a:latin typeface="Consolas" panose="020B0609020204030204" pitchFamily="49" charset="0"/>
+              </a:rPr>
+              <a:t>&lt;</a:t>
+            </a:r>
+            <a:r>
+              <a:rPr lang="ru-UA" sz="2200" dirty="0">
+                <a:solidFill>
+                  <a:srgbClr val="CE9178"/>
+                </a:solidFill>
+                <a:latin typeface="Consolas" panose="020B0609020204030204" pitchFamily="49" charset="0"/>
+              </a:rPr>
+              <a:t>название библиотеки</a:t>
+            </a:r>
+            <a:r>
+              <a:rPr lang="en-US" sz="2200" dirty="0">
+                <a:solidFill>
+                  <a:srgbClr val="CE9178"/>
+                </a:solidFill>
+                <a:latin typeface="Consolas" panose="020B0609020204030204" pitchFamily="49" charset="0"/>
+              </a:rPr>
+              <a:t>&gt; </a:t>
+            </a:r>
+            <a:r>
+              <a:rPr lang="en-US" sz="2200" dirty="0"/>
+              <a:t>- </a:t>
+            </a:r>
+            <a:r>
+              <a:rPr lang="ru-UA" sz="2200" dirty="0"/>
+              <a:t>подключение </a:t>
+            </a:r>
+            <a:r>
+              <a:rPr lang="ru-UA" sz="2200" dirty="0">
+                <a:solidFill>
+                  <a:schemeClr val="accent2"/>
+                </a:solidFill>
+              </a:rPr>
+              <a:t>библиотеки</a:t>
+            </a:r>
+            <a:r>
+              <a:rPr lang="ru-UA" sz="2200" dirty="0"/>
+              <a:t> (ее заголовочного файла)</a:t>
+            </a:r>
+          </a:p>
+          <a:p>
+            <a:pPr marL="0" indent="0" algn="just">
+              <a:spcBef>
+                <a:spcPts val="2400"/>
+              </a:spcBef>
+              <a:buNone/>
+            </a:pPr>
+            <a:r>
+              <a:rPr lang="en-GB" sz="2200" dirty="0">
+                <a:solidFill>
+                  <a:srgbClr val="C586C0"/>
+                </a:solidFill>
+                <a:latin typeface="Consolas" panose="020B0609020204030204" pitchFamily="49" charset="0"/>
+              </a:rPr>
+              <a:t>using</a:t>
+            </a:r>
+            <a:r>
+              <a:rPr lang="en-GB" sz="2200" dirty="0">
+                <a:solidFill>
+                  <a:srgbClr val="D4D4D4"/>
+                </a:solidFill>
+                <a:latin typeface="Consolas" panose="020B0609020204030204" pitchFamily="49" charset="0"/>
+              </a:rPr>
+              <a:t> </a:t>
+            </a:r>
+            <a:r>
+              <a:rPr lang="en-GB" sz="2200" dirty="0">
+                <a:solidFill>
+                  <a:srgbClr val="569CD6"/>
+                </a:solidFill>
+                <a:latin typeface="Consolas" panose="020B0609020204030204" pitchFamily="49" charset="0"/>
+              </a:rPr>
+              <a:t>namespace</a:t>
+            </a:r>
+            <a:r>
+              <a:rPr lang="en-GB" sz="2200" dirty="0">
+                <a:solidFill>
+                  <a:srgbClr val="D4D4D4"/>
+                </a:solidFill>
+                <a:latin typeface="Consolas" panose="020B0609020204030204" pitchFamily="49" charset="0"/>
+              </a:rPr>
+              <a:t> </a:t>
+            </a:r>
+            <a:r>
+              <a:rPr lang="en-GB" sz="2200" dirty="0">
+                <a:solidFill>
+                  <a:srgbClr val="4EC9B0"/>
+                </a:solidFill>
+                <a:latin typeface="Consolas" panose="020B0609020204030204" pitchFamily="49" charset="0"/>
+              </a:rPr>
+              <a:t>std</a:t>
+            </a:r>
+            <a:r>
+              <a:rPr lang="en-US" sz="2200" dirty="0"/>
+              <a:t> – </a:t>
+            </a:r>
+            <a:r>
+              <a:rPr lang="ru-UA" sz="2200" dirty="0"/>
+              <a:t>использования имен</a:t>
+            </a:r>
+            <a:endParaRPr lang="en-GB" sz="2200" dirty="0">
+              <a:solidFill>
+                <a:srgbClr val="D4D4D4"/>
+              </a:solidFill>
+              <a:latin typeface="Consolas" panose="020B0609020204030204" pitchFamily="49" charset="0"/>
+            </a:endParaRPr>
+          </a:p>
+          <a:p>
+            <a:pPr marL="0" indent="0" algn="just">
+              <a:spcBef>
+                <a:spcPts val="2400"/>
+              </a:spcBef>
+              <a:buNone/>
+            </a:pPr>
+            <a:r>
+              <a:rPr lang="en-GB" sz="2200" dirty="0">
+                <a:solidFill>
+                  <a:srgbClr val="569CD6"/>
+                </a:solidFill>
+                <a:latin typeface="Consolas" panose="020B0609020204030204" pitchFamily="49" charset="0"/>
+              </a:rPr>
+              <a:t>int</a:t>
+            </a:r>
+            <a:r>
+              <a:rPr lang="en-GB" sz="2200" dirty="0">
+                <a:solidFill>
+                  <a:srgbClr val="D4D4D4"/>
+                </a:solidFill>
+                <a:latin typeface="Consolas" panose="020B0609020204030204" pitchFamily="49" charset="0"/>
+              </a:rPr>
+              <a:t> </a:t>
+            </a:r>
+            <a:r>
+              <a:rPr lang="en-GB" sz="2200" dirty="0">
+                <a:solidFill>
+                  <a:srgbClr val="DCDCAA"/>
+                </a:solidFill>
+                <a:latin typeface="Consolas" panose="020B0609020204030204" pitchFamily="49" charset="0"/>
+              </a:rPr>
+              <a:t>main</a:t>
+            </a:r>
+            <a:r>
+              <a:rPr lang="en-GB" sz="2200" dirty="0">
+                <a:solidFill>
+                  <a:srgbClr val="D4D4D4"/>
+                </a:solidFill>
+                <a:latin typeface="Consolas" panose="020B0609020204030204" pitchFamily="49" charset="0"/>
+              </a:rPr>
+              <a:t>() {</a:t>
+            </a:r>
+            <a:r>
+              <a:rPr lang="en-US" sz="2200" dirty="0">
+                <a:solidFill>
+                  <a:srgbClr val="D4D4D4"/>
+                </a:solidFill>
+                <a:latin typeface="Consolas" panose="020B0609020204030204" pitchFamily="49" charset="0"/>
+              </a:rPr>
+              <a:t>} </a:t>
+            </a:r>
+            <a:r>
+              <a:rPr lang="en-US" sz="2200" dirty="0">
+                <a:latin typeface="Consolas" panose="020B0609020204030204" pitchFamily="49" charset="0"/>
+              </a:rPr>
+              <a:t>- </a:t>
+            </a:r>
+            <a:r>
+              <a:rPr lang="ru-RU" sz="2200" dirty="0">
+                <a:latin typeface="Consolas" panose="020B0609020204030204" pitchFamily="49" charset="0"/>
+              </a:rPr>
+              <a:t>главная </a:t>
+            </a:r>
+            <a:r>
+              <a:rPr lang="ru-RU" sz="2200" dirty="0">
+                <a:solidFill>
+                  <a:schemeClr val="accent2"/>
+                </a:solidFill>
+                <a:latin typeface="Consolas" panose="020B0609020204030204" pitchFamily="49" charset="0"/>
+              </a:rPr>
+              <a:t>функция</a:t>
+            </a:r>
+            <a:r>
+              <a:rPr lang="ru-RU" sz="2200" dirty="0">
+                <a:latin typeface="Consolas" panose="020B0609020204030204" pitchFamily="49" charset="0"/>
+              </a:rPr>
+              <a:t> программы</a:t>
+            </a:r>
+            <a:r>
+              <a:rPr lang="ru-UA" sz="2200" dirty="0">
+                <a:latin typeface="Consolas" panose="020B0609020204030204" pitchFamily="49" charset="0"/>
+              </a:rPr>
+              <a:t>, выполняется</a:t>
+            </a:r>
+            <a:r>
+              <a:rPr lang="ru-RU" sz="2200" dirty="0">
+                <a:latin typeface="Consolas" panose="020B0609020204030204" pitchFamily="49" charset="0"/>
+              </a:rPr>
+              <a:t>, когда </a:t>
+            </a:r>
+            <a:r>
+              <a:rPr lang="ru-RU" sz="2200" dirty="0">
+                <a:solidFill>
+                  <a:schemeClr val="accent1"/>
+                </a:solidFill>
+                <a:latin typeface="Consolas" panose="020B0609020204030204" pitchFamily="49" charset="0"/>
+              </a:rPr>
+              <a:t>запускается программа</a:t>
+            </a:r>
+            <a:r>
+              <a:rPr lang="ru-RU" sz="2200" dirty="0">
+                <a:latin typeface="Consolas" panose="020B0609020204030204" pitchFamily="49" charset="0"/>
+              </a:rPr>
+              <a:t>.</a:t>
+            </a:r>
+            <a:endParaRPr lang="ru-UA" sz="2200" dirty="0">
+              <a:latin typeface="Consolas" panose="020B0609020204030204" pitchFamily="49" charset="0"/>
+            </a:endParaRPr>
+          </a:p>
+          <a:p>
+            <a:pPr marL="0" indent="0" algn="just">
+              <a:spcBef>
+                <a:spcPts val="2400"/>
+              </a:spcBef>
+              <a:buNone/>
+            </a:pPr>
+            <a:r>
+              <a:rPr lang="ru-UA" sz="2200" dirty="0">
+                <a:latin typeface="Consolas" panose="020B0609020204030204" pitchFamily="49" charset="0"/>
+              </a:rPr>
+              <a:t>тело функции - </a:t>
+            </a:r>
+            <a:r>
+              <a:rPr lang="ru-RU" sz="2200" dirty="0">
+                <a:solidFill>
+                  <a:schemeClr val="accent1"/>
+                </a:solidFill>
+                <a:latin typeface="Consolas" panose="020B0609020204030204" pitchFamily="49" charset="0"/>
+              </a:rPr>
+              <a:t>записываются действия </a:t>
+            </a:r>
+            <a:r>
+              <a:rPr lang="ru-RU" sz="2200" dirty="0">
+                <a:latin typeface="Consolas" panose="020B0609020204030204" pitchFamily="49" charset="0"/>
+              </a:rPr>
+              <a:t>и операции, </a:t>
+            </a:r>
+            <a:r>
+              <a:rPr lang="ru-RU" sz="2200" dirty="0">
+                <a:solidFill>
+                  <a:schemeClr val="accent1"/>
+                </a:solidFill>
+                <a:latin typeface="Consolas" panose="020B0609020204030204" pitchFamily="49" charset="0"/>
+              </a:rPr>
+              <a:t>предусмотренные алгоритмом</a:t>
+            </a:r>
+            <a:r>
+              <a:rPr lang="ru-RU" sz="2200" dirty="0">
+                <a:latin typeface="Consolas" panose="020B0609020204030204" pitchFamily="49" charset="0"/>
+              </a:rPr>
+              <a:t>.</a:t>
+            </a:r>
+            <a:endParaRPr lang="en-GB" sz="2200" dirty="0">
+              <a:latin typeface="Consolas" panose="020B0609020204030204" pitchFamily="49" charset="0"/>
+            </a:endParaRPr>
+          </a:p>
+          <a:p>
+            <a:pPr marL="0" indent="0" algn="just">
+              <a:spcBef>
+                <a:spcPts val="1800"/>
+              </a:spcBef>
+              <a:buNone/>
+            </a:pPr>
+            <a:endParaRPr lang="en-US" sz="2200" dirty="0"/>
+          </a:p>
+        </p:txBody>
+      </p:sp>
+      <p:sp>
+        <p:nvSpPr>
+          <p:cNvPr id="5" name="Content Placeholder 2">
+            <a:extLst>
+              <a:ext uri="{FF2B5EF4-FFF2-40B4-BE49-F238E27FC236}">
+                <a16:creationId xmlns:a16="http://schemas.microsoft.com/office/drawing/2014/main" id="{390D44E6-AD80-4FC0-9189-EA173A6C9EDA}"/>
+              </a:ext>
+            </a:extLst>
+          </p:cNvPr>
+          <p:cNvSpPr txBox="1">
+            <a:spLocks/>
+          </p:cNvSpPr>
+          <p:nvPr/>
+        </p:nvSpPr>
+        <p:spPr>
+          <a:xfrm>
+            <a:off x="8386489" y="1971023"/>
+            <a:ext cx="4169496" cy="4392208"/>
+          </a:xfrm>
+          <a:prstGeom prst="rect">
+            <a:avLst/>
+          </a:prstGeom>
+        </p:spPr>
+        <p:txBody>
+          <a:bodyPr vert="horz" lIns="91440" tIns="45720" rIns="91440" bIns="45720" rtlCol="0">
+            <a:normAutofit fontScale="92500" lnSpcReduction="10000"/>
+          </a:bodyPr>
+          <a:lstStyle>
+            <a:lvl1pPr marL="228600" indent="-228600" algn="l" defTabSz="914400" rtl="0" eaLnBrk="1" latinLnBrk="0" hangingPunct="1">
+              <a:lnSpc>
+                <a:spcPct val="120000"/>
+              </a:lnSpc>
+              <a:spcBef>
+                <a:spcPts val="1000"/>
+              </a:spcBef>
+              <a:buSzPct val="125000"/>
+              <a:buFont typeface="Arial" panose="020B0604020202020204" pitchFamily="34" charset="0"/>
+              <a:buChar char="•"/>
+              <a:defRPr sz="2400" kern="1200">
+                <a:solidFill>
+                  <a:schemeClr val="tx1"/>
+                </a:solidFill>
+                <a:latin typeface="+mn-lt"/>
+                <a:ea typeface="+mn-ea"/>
+                <a:cs typeface="+mn-cs"/>
+              </a:defRPr>
+            </a:lvl1pPr>
+            <a:lvl2pPr marL="685800" indent="-228600" algn="l" defTabSz="914400" rtl="0" eaLnBrk="1" latinLnBrk="0" hangingPunct="1">
+              <a:lnSpc>
+                <a:spcPct val="120000"/>
+              </a:lnSpc>
+              <a:spcBef>
+                <a:spcPts val="500"/>
+              </a:spcBef>
+              <a:buSzPct val="125000"/>
+              <a:buFont typeface="Arial" panose="020B0604020202020204" pitchFamily="34" charset="0"/>
+              <a:buChar char="•"/>
+              <a:defRPr sz="2000" kern="1200">
+                <a:solidFill>
+                  <a:schemeClr val="tx1"/>
+                </a:solidFill>
+                <a:latin typeface="+mn-lt"/>
+                <a:ea typeface="+mn-ea"/>
+                <a:cs typeface="+mn-cs"/>
+              </a:defRPr>
+            </a:lvl2pPr>
+            <a:lvl3pPr marL="1143000" indent="-228600" algn="l" defTabSz="914400" rtl="0" eaLnBrk="1" latinLnBrk="0" hangingPunct="1">
+              <a:lnSpc>
+                <a:spcPct val="120000"/>
+              </a:lnSpc>
+              <a:spcBef>
+                <a:spcPts val="500"/>
+              </a:spcBef>
+              <a:buSzPct val="125000"/>
+              <a:buFont typeface="Arial" panose="020B0604020202020204" pitchFamily="34" charset="0"/>
+              <a:buChar char="•"/>
+              <a:defRPr sz="1800" kern="1200">
+                <a:solidFill>
+                  <a:schemeClr val="tx1"/>
+                </a:solidFill>
+                <a:latin typeface="+mn-lt"/>
+                <a:ea typeface="+mn-ea"/>
+                <a:cs typeface="+mn-cs"/>
+              </a:defRPr>
+            </a:lvl3pPr>
+            <a:lvl4pPr marL="1600200" indent="-228600" algn="l" defTabSz="914400" rtl="0" eaLnBrk="1" latinLnBrk="0" hangingPunct="1">
+              <a:lnSpc>
+                <a:spcPct val="120000"/>
+              </a:lnSpc>
+              <a:spcBef>
+                <a:spcPts val="500"/>
+              </a:spcBef>
+              <a:buSzPct val="125000"/>
+              <a:buFont typeface="Arial" panose="020B0604020202020204" pitchFamily="34" charset="0"/>
+              <a:buChar char="•"/>
+              <a:defRPr sz="1600" kern="1200">
+                <a:solidFill>
+                  <a:schemeClr val="tx1"/>
+                </a:solidFill>
+                <a:latin typeface="+mn-lt"/>
+                <a:ea typeface="+mn-ea"/>
+                <a:cs typeface="+mn-cs"/>
+              </a:defRPr>
+            </a:lvl4pPr>
+            <a:lvl5pPr marL="2057400" indent="-228600" algn="l" defTabSz="914400" rtl="0" eaLnBrk="1" latinLnBrk="0" hangingPunct="1">
+              <a:lnSpc>
+                <a:spcPct val="120000"/>
+              </a:lnSpc>
+              <a:spcBef>
+                <a:spcPts val="500"/>
+              </a:spcBef>
+              <a:buSzPct val="125000"/>
+              <a:buFont typeface="Arial" panose="020B0604020202020204" pitchFamily="34" charset="0"/>
+              <a:buChar char="•"/>
+              <a:defRPr sz="1600" kern="1200">
+                <a:solidFill>
+                  <a:schemeClr val="tx1"/>
+                </a:solidFill>
+                <a:latin typeface="+mn-lt"/>
+                <a:ea typeface="+mn-ea"/>
+                <a:cs typeface="+mn-cs"/>
+              </a:defRPr>
+            </a:lvl5pPr>
+            <a:lvl6pPr marL="2514600" indent="-228600" algn="l" defTabSz="914400" rtl="0" eaLnBrk="1" latinLnBrk="0" hangingPunct="1">
+              <a:lnSpc>
+                <a:spcPct val="120000"/>
+              </a:lnSpc>
+              <a:spcBef>
+                <a:spcPts val="500"/>
+              </a:spcBef>
+              <a:buSzPct val="125000"/>
+              <a:buFont typeface="Arial" panose="020B0604020202020204" pitchFamily="34" charset="0"/>
+              <a:buChar char="•"/>
+              <a:defRPr sz="1400" kern="1200">
+                <a:solidFill>
+                  <a:schemeClr val="tx1"/>
+                </a:solidFill>
+                <a:latin typeface="+mn-lt"/>
+                <a:ea typeface="+mn-ea"/>
+                <a:cs typeface="+mn-cs"/>
+              </a:defRPr>
+            </a:lvl6pPr>
+            <a:lvl7pPr marL="2971800" indent="-228600" algn="l" defTabSz="914400" rtl="0" eaLnBrk="1" latinLnBrk="0" hangingPunct="1">
+              <a:lnSpc>
+                <a:spcPct val="120000"/>
+              </a:lnSpc>
+              <a:spcBef>
+                <a:spcPts val="500"/>
+              </a:spcBef>
+              <a:buSzPct val="125000"/>
+              <a:buFont typeface="Arial" panose="020B0604020202020204" pitchFamily="34" charset="0"/>
+              <a:buChar char="•"/>
+              <a:defRPr sz="1400" kern="1200">
+                <a:solidFill>
+                  <a:schemeClr val="tx1"/>
+                </a:solidFill>
+                <a:latin typeface="+mn-lt"/>
+                <a:ea typeface="+mn-ea"/>
+                <a:cs typeface="+mn-cs"/>
+              </a:defRPr>
+            </a:lvl7pPr>
+            <a:lvl8pPr marL="3429000" indent="-228600" algn="l" defTabSz="914400" rtl="0" eaLnBrk="1" latinLnBrk="0" hangingPunct="1">
+              <a:lnSpc>
+                <a:spcPct val="120000"/>
+              </a:lnSpc>
+              <a:spcBef>
+                <a:spcPts val="500"/>
+              </a:spcBef>
+              <a:buSzPct val="125000"/>
+              <a:buFont typeface="Arial" panose="020B0604020202020204" pitchFamily="34" charset="0"/>
+              <a:buChar char="•"/>
+              <a:defRPr sz="1400" kern="1200">
+                <a:solidFill>
+                  <a:schemeClr val="tx1"/>
+                </a:solidFill>
+                <a:latin typeface="+mn-lt"/>
+                <a:ea typeface="+mn-ea"/>
+                <a:cs typeface="+mn-cs"/>
+              </a:defRPr>
+            </a:lvl8pPr>
+            <a:lvl9pPr marL="3886200" indent="-228600" algn="l" defTabSz="914400" rtl="0" eaLnBrk="1" latinLnBrk="0" hangingPunct="1">
+              <a:lnSpc>
+                <a:spcPct val="120000"/>
+              </a:lnSpc>
+              <a:spcBef>
+                <a:spcPts val="500"/>
+              </a:spcBef>
+              <a:buSzPct val="125000"/>
+              <a:buFont typeface="Arial" panose="020B0604020202020204" pitchFamily="34" charset="0"/>
+              <a:buChar char="•"/>
+              <a:defRPr sz="1400" kern="1200">
+                <a:solidFill>
+                  <a:schemeClr val="tx1"/>
+                </a:solidFill>
+                <a:latin typeface="+mn-lt"/>
+                <a:ea typeface="+mn-ea"/>
+                <a:cs typeface="+mn-cs"/>
+              </a:defRPr>
+            </a:lvl9pPr>
+          </a:lstStyle>
+          <a:p>
+            <a:pPr marL="0" indent="0">
+              <a:spcBef>
+                <a:spcPts val="0"/>
+              </a:spcBef>
+              <a:buFont typeface="Arial" panose="020B0604020202020204" pitchFamily="34" charset="0"/>
+              <a:buNone/>
+            </a:pPr>
+            <a:r>
+              <a:rPr lang="en-GB" sz="1600" dirty="0">
+                <a:solidFill>
+                  <a:srgbClr val="C586C0"/>
+                </a:solidFill>
+                <a:latin typeface="Consolas" panose="020B0609020204030204" pitchFamily="49" charset="0"/>
+              </a:rPr>
+              <a:t>#include</a:t>
+            </a:r>
+            <a:r>
+              <a:rPr lang="en-GB" sz="1600" dirty="0">
+                <a:solidFill>
+                  <a:srgbClr val="569CD6"/>
+                </a:solidFill>
+                <a:latin typeface="Consolas" panose="020B0609020204030204" pitchFamily="49" charset="0"/>
+              </a:rPr>
+              <a:t> </a:t>
+            </a:r>
+            <a:r>
+              <a:rPr lang="en-GB" sz="1600" dirty="0">
+                <a:solidFill>
+                  <a:srgbClr val="CE9178"/>
+                </a:solidFill>
+                <a:latin typeface="Consolas" panose="020B0609020204030204" pitchFamily="49" charset="0"/>
+              </a:rPr>
+              <a:t>&lt;iostream&gt;</a:t>
+            </a:r>
+            <a:br>
+              <a:rPr lang="en-GB" sz="1600" dirty="0">
+                <a:solidFill>
+                  <a:srgbClr val="D4D4D4"/>
+                </a:solidFill>
+                <a:latin typeface="Consolas" panose="020B0609020204030204" pitchFamily="49" charset="0"/>
+              </a:rPr>
+            </a:br>
+            <a:r>
+              <a:rPr lang="en-GB" sz="1600" dirty="0">
+                <a:solidFill>
+                  <a:srgbClr val="C586C0"/>
+                </a:solidFill>
+                <a:latin typeface="Consolas" panose="020B0609020204030204" pitchFamily="49" charset="0"/>
+              </a:rPr>
+              <a:t>using</a:t>
+            </a:r>
+            <a:r>
+              <a:rPr lang="en-GB" sz="1600" dirty="0">
+                <a:solidFill>
+                  <a:srgbClr val="D4D4D4"/>
+                </a:solidFill>
+                <a:latin typeface="Consolas" panose="020B0609020204030204" pitchFamily="49" charset="0"/>
+              </a:rPr>
+              <a:t> </a:t>
+            </a:r>
+            <a:r>
+              <a:rPr lang="en-GB" sz="1600" dirty="0">
+                <a:solidFill>
+                  <a:srgbClr val="569CD6"/>
+                </a:solidFill>
+                <a:latin typeface="Consolas" panose="020B0609020204030204" pitchFamily="49" charset="0"/>
+              </a:rPr>
+              <a:t>namespace</a:t>
+            </a:r>
+            <a:r>
+              <a:rPr lang="en-GB" sz="1600" dirty="0">
+                <a:solidFill>
+                  <a:srgbClr val="D4D4D4"/>
+                </a:solidFill>
+                <a:latin typeface="Consolas" panose="020B0609020204030204" pitchFamily="49" charset="0"/>
+              </a:rPr>
+              <a:t> </a:t>
+            </a:r>
+            <a:r>
+              <a:rPr lang="en-GB" sz="1600" dirty="0">
+                <a:solidFill>
+                  <a:srgbClr val="4EC9B0"/>
+                </a:solidFill>
+                <a:latin typeface="Consolas" panose="020B0609020204030204" pitchFamily="49" charset="0"/>
+              </a:rPr>
+              <a:t>std</a:t>
+            </a:r>
+            <a:r>
+              <a:rPr lang="en-GB" sz="1600" dirty="0">
+                <a:solidFill>
+                  <a:srgbClr val="D4D4D4"/>
+                </a:solidFill>
+                <a:latin typeface="Consolas" panose="020B0609020204030204" pitchFamily="49" charset="0"/>
+              </a:rPr>
+              <a:t>;</a:t>
+            </a:r>
+          </a:p>
+          <a:p>
+            <a:pPr marL="0" indent="0">
+              <a:spcBef>
+                <a:spcPts val="0"/>
+              </a:spcBef>
+              <a:buFont typeface="Arial" panose="020B0604020202020204" pitchFamily="34" charset="0"/>
+              <a:buNone/>
+            </a:pPr>
+            <a:br>
+              <a:rPr lang="en-GB" sz="1600" dirty="0">
+                <a:solidFill>
+                  <a:srgbClr val="D4D4D4"/>
+                </a:solidFill>
+                <a:latin typeface="Consolas" panose="020B0609020204030204" pitchFamily="49" charset="0"/>
+              </a:rPr>
+            </a:br>
+            <a:r>
+              <a:rPr lang="en-GB" sz="1600" dirty="0">
+                <a:solidFill>
+                  <a:srgbClr val="569CD6"/>
+                </a:solidFill>
+                <a:latin typeface="Consolas" panose="020B0609020204030204" pitchFamily="49" charset="0"/>
+              </a:rPr>
+              <a:t>int</a:t>
+            </a:r>
+            <a:r>
+              <a:rPr lang="en-GB" sz="1600" dirty="0">
+                <a:solidFill>
+                  <a:srgbClr val="D4D4D4"/>
+                </a:solidFill>
+                <a:latin typeface="Consolas" panose="020B0609020204030204" pitchFamily="49" charset="0"/>
+              </a:rPr>
+              <a:t> </a:t>
+            </a:r>
+            <a:r>
+              <a:rPr lang="en-GB" sz="1600" dirty="0">
+                <a:solidFill>
+                  <a:srgbClr val="DCDCAA"/>
+                </a:solidFill>
+                <a:latin typeface="Consolas" panose="020B0609020204030204" pitchFamily="49" charset="0"/>
+              </a:rPr>
+              <a:t>main</a:t>
+            </a:r>
+            <a:r>
+              <a:rPr lang="en-GB" sz="1600" dirty="0">
+                <a:solidFill>
+                  <a:srgbClr val="D4D4D4"/>
+                </a:solidFill>
+                <a:latin typeface="Consolas" panose="020B0609020204030204" pitchFamily="49" charset="0"/>
+              </a:rPr>
+              <a:t>() {</a:t>
+            </a:r>
+          </a:p>
+          <a:p>
+            <a:pPr marL="0" indent="0">
+              <a:spcBef>
+                <a:spcPts val="0"/>
+              </a:spcBef>
+              <a:buFont typeface="Arial" panose="020B0604020202020204" pitchFamily="34" charset="0"/>
+              <a:buNone/>
+            </a:pPr>
+            <a:r>
+              <a:rPr lang="en-GB" sz="1600" dirty="0">
+                <a:solidFill>
+                  <a:srgbClr val="D4D4D4"/>
+                </a:solidFill>
+                <a:latin typeface="Consolas" panose="020B0609020204030204" pitchFamily="49" charset="0"/>
+              </a:rPr>
+              <a:t>    </a:t>
+            </a:r>
+            <a:r>
+              <a:rPr lang="en-GB" sz="1600" dirty="0">
+                <a:solidFill>
+                  <a:srgbClr val="569CD6"/>
+                </a:solidFill>
+                <a:latin typeface="Consolas" panose="020B0609020204030204" pitchFamily="49" charset="0"/>
+              </a:rPr>
+              <a:t>int</a:t>
+            </a:r>
+            <a:r>
+              <a:rPr lang="en-GB" sz="1600" dirty="0">
+                <a:solidFill>
+                  <a:srgbClr val="D4D4D4"/>
+                </a:solidFill>
+                <a:latin typeface="Consolas" panose="020B0609020204030204" pitchFamily="49" charset="0"/>
+              </a:rPr>
+              <a:t> quantity;</a:t>
+            </a:r>
+            <a:br>
+              <a:rPr lang="en-GB" sz="1600" dirty="0">
+                <a:solidFill>
+                  <a:srgbClr val="D4D4D4"/>
+                </a:solidFill>
+                <a:latin typeface="Consolas" panose="020B0609020204030204" pitchFamily="49" charset="0"/>
+              </a:rPr>
+            </a:br>
+            <a:r>
+              <a:rPr lang="en-GB" sz="1600" dirty="0">
+                <a:solidFill>
+                  <a:srgbClr val="D4D4D4"/>
+                </a:solidFill>
+                <a:latin typeface="Consolas" panose="020B0609020204030204" pitchFamily="49" charset="0"/>
+              </a:rPr>
+              <a:t>    </a:t>
+            </a:r>
+            <a:r>
+              <a:rPr lang="en-GB" sz="1600" dirty="0">
+                <a:solidFill>
+                  <a:srgbClr val="569CD6"/>
+                </a:solidFill>
+                <a:latin typeface="Consolas" panose="020B0609020204030204" pitchFamily="49" charset="0"/>
+              </a:rPr>
+              <a:t>int</a:t>
+            </a:r>
+            <a:r>
+              <a:rPr lang="en-GB" sz="1600" dirty="0">
+                <a:solidFill>
+                  <a:srgbClr val="D4D4D4"/>
+                </a:solidFill>
+                <a:latin typeface="Consolas" panose="020B0609020204030204" pitchFamily="49" charset="0"/>
+              </a:rPr>
+              <a:t> previous = </a:t>
+            </a:r>
+            <a:r>
+              <a:rPr lang="en-GB" sz="1600" dirty="0">
+                <a:solidFill>
+                  <a:srgbClr val="B5CEA8"/>
+                </a:solidFill>
+                <a:latin typeface="Consolas" panose="020B0609020204030204" pitchFamily="49" charset="0"/>
+              </a:rPr>
+              <a:t>0</a:t>
+            </a:r>
+            <a:r>
+              <a:rPr lang="en-GB" sz="1600" dirty="0">
+                <a:solidFill>
+                  <a:srgbClr val="D4D4D4"/>
+                </a:solidFill>
+                <a:latin typeface="Consolas" panose="020B0609020204030204" pitchFamily="49" charset="0"/>
+              </a:rPr>
+              <a:t>;</a:t>
+            </a:r>
+          </a:p>
+          <a:p>
+            <a:pPr marL="0" indent="0">
+              <a:spcBef>
+                <a:spcPts val="0"/>
+              </a:spcBef>
+              <a:buFont typeface="Arial" panose="020B0604020202020204" pitchFamily="34" charset="0"/>
+              <a:buNone/>
+            </a:pPr>
+            <a:r>
+              <a:rPr lang="en-GB" sz="1600" dirty="0">
+                <a:solidFill>
+                  <a:srgbClr val="D4D4D4"/>
+                </a:solidFill>
+                <a:latin typeface="Consolas" panose="020B0609020204030204" pitchFamily="49" charset="0"/>
+              </a:rPr>
+              <a:t>    </a:t>
+            </a:r>
+            <a:r>
+              <a:rPr lang="en-GB" sz="1600" dirty="0">
+                <a:solidFill>
+                  <a:srgbClr val="569CD6"/>
+                </a:solidFill>
+                <a:latin typeface="Consolas" panose="020B0609020204030204" pitchFamily="49" charset="0"/>
+              </a:rPr>
+              <a:t>int</a:t>
+            </a:r>
+            <a:r>
+              <a:rPr lang="en-GB" sz="1600" dirty="0">
+                <a:solidFill>
+                  <a:srgbClr val="D4D4D4"/>
+                </a:solidFill>
+                <a:latin typeface="Consolas" panose="020B0609020204030204" pitchFamily="49" charset="0"/>
+              </a:rPr>
+              <a:t> next = </a:t>
+            </a:r>
+            <a:r>
+              <a:rPr lang="en-GB" sz="1600" dirty="0">
+                <a:solidFill>
+                  <a:srgbClr val="B5CEA8"/>
+                </a:solidFill>
+                <a:latin typeface="Consolas" panose="020B0609020204030204" pitchFamily="49" charset="0"/>
+              </a:rPr>
+              <a:t>1</a:t>
+            </a:r>
+            <a:r>
+              <a:rPr lang="en-GB" sz="1600" dirty="0">
+                <a:solidFill>
+                  <a:srgbClr val="D4D4D4"/>
+                </a:solidFill>
+                <a:latin typeface="Consolas" panose="020B0609020204030204" pitchFamily="49" charset="0"/>
+              </a:rPr>
+              <a:t>;</a:t>
+            </a:r>
+          </a:p>
+          <a:p>
+            <a:pPr marL="0" indent="0">
+              <a:spcBef>
+                <a:spcPts val="0"/>
+              </a:spcBef>
+              <a:buFont typeface="Arial" panose="020B0604020202020204" pitchFamily="34" charset="0"/>
+              <a:buNone/>
+            </a:pPr>
+            <a:r>
+              <a:rPr lang="en-GB" sz="1600" dirty="0">
+                <a:solidFill>
+                  <a:srgbClr val="D4D4D4"/>
+                </a:solidFill>
+                <a:latin typeface="Consolas" panose="020B0609020204030204" pitchFamily="49" charset="0"/>
+              </a:rPr>
+              <a:t>    </a:t>
+            </a:r>
+            <a:r>
+              <a:rPr lang="en-GB" sz="1600" dirty="0">
+                <a:solidFill>
+                  <a:srgbClr val="569CD6"/>
+                </a:solidFill>
+                <a:latin typeface="Consolas" panose="020B0609020204030204" pitchFamily="49" charset="0"/>
+              </a:rPr>
+              <a:t>int</a:t>
+            </a:r>
+            <a:r>
+              <a:rPr lang="en-GB" sz="1600" dirty="0">
+                <a:solidFill>
+                  <a:srgbClr val="D4D4D4"/>
+                </a:solidFill>
+                <a:latin typeface="Consolas" panose="020B0609020204030204" pitchFamily="49" charset="0"/>
+              </a:rPr>
+              <a:t> buffer = next;</a:t>
+            </a:r>
+          </a:p>
+          <a:p>
+            <a:pPr marL="0" indent="0">
+              <a:spcBef>
+                <a:spcPts val="0"/>
+              </a:spcBef>
+              <a:buFont typeface="Arial" panose="020B0604020202020204" pitchFamily="34" charset="0"/>
+              <a:buNone/>
+            </a:pPr>
+            <a:r>
+              <a:rPr lang="en-GB" sz="1600" dirty="0">
+                <a:solidFill>
+                  <a:srgbClr val="D4D4D4"/>
+                </a:solidFill>
+                <a:latin typeface="Consolas" panose="020B0609020204030204" pitchFamily="49" charset="0"/>
+              </a:rPr>
+              <a:t>    </a:t>
+            </a:r>
+            <a:r>
+              <a:rPr lang="en-GB" sz="1600" dirty="0" err="1">
+                <a:solidFill>
+                  <a:srgbClr val="D4D4D4"/>
+                </a:solidFill>
+                <a:latin typeface="Consolas" panose="020B0609020204030204" pitchFamily="49" charset="0"/>
+              </a:rPr>
+              <a:t>cin</a:t>
+            </a:r>
+            <a:r>
+              <a:rPr lang="en-GB" sz="1600" dirty="0">
+                <a:solidFill>
+                  <a:srgbClr val="D4D4D4"/>
+                </a:solidFill>
+                <a:latin typeface="Consolas" panose="020B0609020204030204" pitchFamily="49" charset="0"/>
+              </a:rPr>
+              <a:t> &gt;&gt; quantity;</a:t>
+            </a:r>
+          </a:p>
+          <a:p>
+            <a:pPr marL="0" indent="0">
+              <a:spcBef>
+                <a:spcPts val="0"/>
+              </a:spcBef>
+              <a:buFont typeface="Arial" panose="020B0604020202020204" pitchFamily="34" charset="0"/>
+              <a:buNone/>
+            </a:pPr>
+            <a:r>
+              <a:rPr lang="en-GB" sz="1600" dirty="0">
+                <a:solidFill>
+                  <a:srgbClr val="D4D4D4"/>
+                </a:solidFill>
+                <a:latin typeface="Consolas" panose="020B0609020204030204" pitchFamily="49" charset="0"/>
+              </a:rPr>
+              <a:t>    </a:t>
+            </a:r>
+            <a:r>
+              <a:rPr lang="en-GB" sz="1600" dirty="0">
+                <a:solidFill>
+                  <a:srgbClr val="C586C0"/>
+                </a:solidFill>
+                <a:latin typeface="Consolas" panose="020B0609020204030204" pitchFamily="49" charset="0"/>
+              </a:rPr>
+              <a:t>while</a:t>
+            </a:r>
+            <a:r>
+              <a:rPr lang="en-GB" sz="1600" dirty="0">
+                <a:solidFill>
+                  <a:srgbClr val="D4D4D4"/>
+                </a:solidFill>
+                <a:latin typeface="Consolas" panose="020B0609020204030204" pitchFamily="49" charset="0"/>
+              </a:rPr>
+              <a:t> (quantity &gt; </a:t>
+            </a:r>
+            <a:r>
+              <a:rPr lang="en-GB" sz="1600" dirty="0">
+                <a:solidFill>
+                  <a:srgbClr val="B5CEA8"/>
+                </a:solidFill>
+                <a:latin typeface="Consolas" panose="020B0609020204030204" pitchFamily="49" charset="0"/>
+              </a:rPr>
+              <a:t>0</a:t>
+            </a:r>
+            <a:r>
+              <a:rPr lang="en-GB" sz="1600" dirty="0">
+                <a:solidFill>
+                  <a:srgbClr val="D4D4D4"/>
+                </a:solidFill>
+                <a:latin typeface="Consolas" panose="020B0609020204030204" pitchFamily="49" charset="0"/>
+              </a:rPr>
+              <a:t>) {</a:t>
+            </a:r>
+          </a:p>
+          <a:p>
+            <a:pPr marL="0" indent="0">
+              <a:spcBef>
+                <a:spcPts val="0"/>
+              </a:spcBef>
+              <a:buFont typeface="Arial" panose="020B0604020202020204" pitchFamily="34" charset="0"/>
+              <a:buNone/>
+            </a:pPr>
+            <a:r>
+              <a:rPr lang="en-GB" sz="1600" dirty="0">
+                <a:solidFill>
+                  <a:srgbClr val="D4D4D4"/>
+                </a:solidFill>
+                <a:latin typeface="Consolas" panose="020B0609020204030204" pitchFamily="49" charset="0"/>
+              </a:rPr>
+              <a:t>        </a:t>
+            </a:r>
+            <a:r>
+              <a:rPr lang="en-GB" sz="1600" dirty="0" err="1">
+                <a:solidFill>
+                  <a:srgbClr val="D4D4D4"/>
+                </a:solidFill>
+                <a:latin typeface="Consolas" panose="020B0609020204030204" pitchFamily="49" charset="0"/>
+              </a:rPr>
+              <a:t>cout</a:t>
+            </a:r>
+            <a:r>
+              <a:rPr lang="en-GB" sz="1600" dirty="0">
+                <a:solidFill>
+                  <a:srgbClr val="D4D4D4"/>
+                </a:solidFill>
+                <a:latin typeface="Consolas" panose="020B0609020204030204" pitchFamily="49" charset="0"/>
+              </a:rPr>
+              <a:t> &lt;&lt; next &lt;&lt; </a:t>
+            </a:r>
+            <a:r>
+              <a:rPr lang="en-GB" sz="1600" dirty="0" err="1">
+                <a:solidFill>
+                  <a:srgbClr val="D4D4D4"/>
+                </a:solidFill>
+                <a:latin typeface="Consolas" panose="020B0609020204030204" pitchFamily="49" charset="0"/>
+              </a:rPr>
+              <a:t>endl</a:t>
+            </a:r>
+            <a:r>
+              <a:rPr lang="en-GB" sz="1600" dirty="0">
+                <a:solidFill>
+                  <a:srgbClr val="D4D4D4"/>
+                </a:solidFill>
+                <a:latin typeface="Consolas" panose="020B0609020204030204" pitchFamily="49" charset="0"/>
+              </a:rPr>
+              <a:t>;</a:t>
+            </a:r>
+          </a:p>
+          <a:p>
+            <a:pPr marL="0" indent="0">
+              <a:spcBef>
+                <a:spcPts val="0"/>
+              </a:spcBef>
+              <a:buFont typeface="Arial" panose="020B0604020202020204" pitchFamily="34" charset="0"/>
+              <a:buNone/>
+            </a:pPr>
+            <a:r>
+              <a:rPr lang="en-GB" sz="1600" dirty="0">
+                <a:solidFill>
+                  <a:srgbClr val="D4D4D4"/>
+                </a:solidFill>
+                <a:latin typeface="Consolas" panose="020B0609020204030204" pitchFamily="49" charset="0"/>
+              </a:rPr>
+              <a:t>        buffer = next;</a:t>
+            </a:r>
+          </a:p>
+          <a:p>
+            <a:pPr marL="0" indent="0">
+              <a:spcBef>
+                <a:spcPts val="0"/>
+              </a:spcBef>
+              <a:buFont typeface="Arial" panose="020B0604020202020204" pitchFamily="34" charset="0"/>
+              <a:buNone/>
+            </a:pPr>
+            <a:r>
+              <a:rPr lang="en-GB" sz="1600" dirty="0">
+                <a:solidFill>
+                  <a:srgbClr val="D4D4D4"/>
+                </a:solidFill>
+                <a:latin typeface="Consolas" panose="020B0609020204030204" pitchFamily="49" charset="0"/>
+              </a:rPr>
+              <a:t>        next += previous;</a:t>
+            </a:r>
+          </a:p>
+          <a:p>
+            <a:pPr marL="0" indent="0">
+              <a:spcBef>
+                <a:spcPts val="0"/>
+              </a:spcBef>
+              <a:buFont typeface="Arial" panose="020B0604020202020204" pitchFamily="34" charset="0"/>
+              <a:buNone/>
+            </a:pPr>
+            <a:r>
+              <a:rPr lang="en-GB" sz="1600" dirty="0">
+                <a:solidFill>
+                  <a:srgbClr val="D4D4D4"/>
+                </a:solidFill>
+                <a:latin typeface="Consolas" panose="020B0609020204030204" pitchFamily="49" charset="0"/>
+              </a:rPr>
+              <a:t>        previous = buffer;</a:t>
+            </a:r>
+          </a:p>
+          <a:p>
+            <a:pPr marL="0" indent="0">
+              <a:spcBef>
+                <a:spcPts val="0"/>
+              </a:spcBef>
+              <a:buFont typeface="Arial" panose="020B0604020202020204" pitchFamily="34" charset="0"/>
+              <a:buNone/>
+            </a:pPr>
+            <a:r>
+              <a:rPr lang="en-GB" sz="1600" dirty="0">
+                <a:solidFill>
+                  <a:srgbClr val="D4D4D4"/>
+                </a:solidFill>
+                <a:latin typeface="Consolas" panose="020B0609020204030204" pitchFamily="49" charset="0"/>
+              </a:rPr>
+              <a:t>        quantity--;</a:t>
+            </a:r>
+          </a:p>
+          <a:p>
+            <a:pPr marL="0" indent="0">
+              <a:spcBef>
+                <a:spcPts val="0"/>
+              </a:spcBef>
+              <a:buFont typeface="Arial" panose="020B0604020202020204" pitchFamily="34" charset="0"/>
+              <a:buNone/>
+            </a:pPr>
+            <a:r>
+              <a:rPr lang="en-GB" sz="1600" dirty="0">
+                <a:solidFill>
+                  <a:srgbClr val="D4D4D4"/>
+                </a:solidFill>
+                <a:latin typeface="Consolas" panose="020B0609020204030204" pitchFamily="49" charset="0"/>
+              </a:rPr>
+              <a:t>    }</a:t>
+            </a:r>
+          </a:p>
+          <a:p>
+            <a:pPr marL="0" indent="0">
+              <a:spcBef>
+                <a:spcPts val="0"/>
+              </a:spcBef>
+              <a:buFont typeface="Arial" panose="020B0604020202020204" pitchFamily="34" charset="0"/>
+              <a:buNone/>
+            </a:pPr>
+            <a:r>
+              <a:rPr lang="en-GB" sz="1600" dirty="0">
+                <a:solidFill>
+                  <a:srgbClr val="D4D4D4"/>
+                </a:solidFill>
+                <a:latin typeface="Consolas" panose="020B0609020204030204" pitchFamily="49" charset="0"/>
+              </a:rPr>
+              <a:t>}</a:t>
+            </a:r>
+          </a:p>
+          <a:p>
+            <a:pPr marL="0" indent="0" algn="just">
+              <a:spcBef>
+                <a:spcPts val="0"/>
+              </a:spcBef>
+              <a:buFont typeface="Arial" panose="020B0604020202020204" pitchFamily="34" charset="0"/>
+              <a:buNone/>
+            </a:pPr>
+            <a:endParaRPr lang="ru-RU" sz="2300" dirty="0"/>
+          </a:p>
+        </p:txBody>
+      </p:sp>
+    </p:spTree>
+    <p:extLst>
+      <p:ext uri="{BB962C8B-B14F-4D97-AF65-F5344CB8AC3E}">
+        <p14:creationId xmlns:p14="http://schemas.microsoft.com/office/powerpoint/2010/main" val="977190282"/>
+      </p:ext>
+    </p:extLst>
+  </p:cSld>
+  <p:clrMapOvr>
+    <a:masterClrMapping/>
+  </p:clrMapOvr>
+</p:sld>
+</file>
+
+<file path=ppt/slides/slide16.xml><?xml version="1.0" encoding="utf-8"?>
 <p:sld xmlns:a="http://schemas.openxmlformats.org/drawingml/2006/main" xmlns:r="http://schemas.openxmlformats.org/officeDocument/2006/relationships" xmlns:p="http://schemas.openxmlformats.org/presentationml/2006/main">
   <p:cSld>
     <p:bg>
